--- a/Week1_Introduction.pptx
+++ b/Week1_Introduction.pptx
@@ -12,12 +12,11 @@
     <p:sldId id="265" r:id="rId6"/>
     <p:sldId id="263" r:id="rId7"/>
     <p:sldId id="260" r:id="rId8"/>
-    <p:sldId id="261" r:id="rId9"/>
-    <p:sldId id="262" r:id="rId10"/>
-    <p:sldId id="269" r:id="rId11"/>
-    <p:sldId id="267" r:id="rId12"/>
-    <p:sldId id="268" r:id="rId13"/>
-    <p:sldId id="264" r:id="rId14"/>
+    <p:sldId id="262" r:id="rId9"/>
+    <p:sldId id="269" r:id="rId10"/>
+    <p:sldId id="267" r:id="rId11"/>
+    <p:sldId id="268" r:id="rId12"/>
+    <p:sldId id="264" r:id="rId13"/>
   </p:sldIdLst>
   <p:sldSz cx="9144000" cy="6858000" type="screen4x3"/>
   <p:notesSz cx="6858000" cy="9144000"/>
@@ -323,7 +322,7 @@
           <a:p>
             <a:fld id="{C8A432C8-69A7-458B-9684-2BFA64B31948}" type="datetime2">
               <a:rPr lang="en-US" smtClean="0"/>
-              <a:t>Tuesday, December 28, 2021</a:t>
+              <a:t>Sunday, January 2, 2022</a:t>
             </a:fld>
             <a:endParaRPr lang="en-US"/>
           </a:p>
@@ -523,7 +522,7 @@
           <a:p>
             <a:fld id="{8CC057FC-95B6-4D89-AFDA-ABA33EE921E5}" type="datetime2">
               <a:rPr lang="en-US" smtClean="0"/>
-              <a:t>Tuesday, December 28, 2021</a:t>
+              <a:t>Sunday, January 2, 2022</a:t>
             </a:fld>
             <a:endParaRPr lang="en-US"/>
           </a:p>
@@ -700,7 +699,7 @@
           <a:p>
             <a:fld id="{EC4549AC-EB31-477F-92A9-B1988E232878}" type="datetime2">
               <a:rPr lang="en-US" smtClean="0"/>
-              <a:t>Tuesday, December 28, 2021</a:t>
+              <a:t>Sunday, January 2, 2022</a:t>
             </a:fld>
             <a:endParaRPr lang="en-US"/>
           </a:p>
@@ -865,7 +864,7 @@
           <a:p>
             <a:fld id="{6396A3A3-94A6-4E5B-AF39-173ACA3E61CC}" type="datetime2">
               <a:rPr lang="en-US" smtClean="0"/>
-              <a:t>Tuesday, December 28, 2021</a:t>
+              <a:t>Sunday, January 2, 2022</a:t>
             </a:fld>
             <a:endParaRPr lang="en-US"/>
           </a:p>
@@ -1115,7 +1114,7 @@
           <a:p>
             <a:fld id="{9933D019-A32C-4EAD-B8E6-DBDA699692FD}" type="datetime2">
               <a:rPr lang="en-US" smtClean="0"/>
-              <a:t>Tuesday, December 28, 2021</a:t>
+              <a:t>Sunday, January 2, 2022</a:t>
             </a:fld>
             <a:endParaRPr lang="en-US"/>
           </a:p>
@@ -1434,7 +1433,7 @@
           <a:p>
             <a:fld id="{CCEBA98F-560C-4997-81C4-81D4D9187EAB}" type="datetime2">
               <a:rPr lang="en-US" smtClean="0"/>
-              <a:t>Tuesday, December 28, 2021</a:t>
+              <a:t>Sunday, January 2, 2022</a:t>
             </a:fld>
             <a:endParaRPr lang="en-US"/>
           </a:p>
@@ -1902,7 +1901,7 @@
           <a:p>
             <a:fld id="{150972B2-CA5C-437D-87D0-8081271A9E4B}" type="datetime2">
               <a:rPr lang="en-US" smtClean="0"/>
-              <a:t>Tuesday, December 28, 2021</a:t>
+              <a:t>Sunday, January 2, 2022</a:t>
             </a:fld>
             <a:endParaRPr lang="en-US"/>
           </a:p>
@@ -2051,7 +2050,7 @@
           <a:p>
             <a:fld id="{79CD4847-11EF-4466-A8AD-85CDB7B49118}" type="datetime2">
               <a:rPr lang="en-US" smtClean="0"/>
-              <a:t>Tuesday, December 28, 2021</a:t>
+              <a:t>Sunday, January 2, 2022</a:t>
             </a:fld>
             <a:endParaRPr lang="en-US"/>
           </a:p>
@@ -2143,7 +2142,7 @@
           <a:p>
             <a:fld id="{F168457A-3AB9-4880-8A0C-9F8524491207}" type="datetime2">
               <a:rPr lang="en-US" smtClean="0"/>
-              <a:t>Tuesday, December 28, 2021</a:t>
+              <a:t>Sunday, January 2, 2022</a:t>
             </a:fld>
             <a:endParaRPr lang="en-US"/>
           </a:p>
@@ -2419,7 +2418,7 @@
           <a:p>
             <a:fld id="{3FE976D3-5B7F-4300-ABED-C91F1B2AE209}" type="datetime2">
               <a:rPr lang="en-US" smtClean="0"/>
-              <a:t>Tuesday, December 28, 2021</a:t>
+              <a:t>Sunday, January 2, 2022</a:t>
             </a:fld>
             <a:endParaRPr lang="en-US"/>
           </a:p>
@@ -2726,7 +2725,7 @@
           <a:p>
             <a:fld id="{EBDC1E59-17DD-41CE-97CA-624A472382D4}" type="datetime2">
               <a:rPr lang="en-US" smtClean="0"/>
-              <a:t>Tuesday, December 28, 2021</a:t>
+              <a:t>Sunday, January 2, 2022</a:t>
             </a:fld>
             <a:endParaRPr lang="en-US"/>
           </a:p>
@@ -3026,7 +3025,7 @@
           <a:p>
             <a:fld id="{A80CB818-7379-467D-8E76-EF9D9074A26C}" type="datetime2">
               <a:rPr lang="en-US" smtClean="0"/>
-              <a:t>Tuesday, December 28, 2021</a:t>
+              <a:t>Sunday, January 2, 2022</a:t>
             </a:fld>
             <a:endParaRPr lang="en-US" dirty="0"/>
           </a:p>
@@ -3560,120 +3559,6 @@
           <a:lstStyle/>
           <a:p>
             <a:r>
-              <a:rPr lang="en-US" dirty="0"/>
-              <a:t>Guidelines for Participants</a:t>
-            </a:r>
-          </a:p>
-        </p:txBody>
-      </p:sp>
-      <p:sp>
-        <p:nvSpPr>
-          <p:cNvPr id="3" name="Content Placeholder 2"/>
-          <p:cNvSpPr>
-            <a:spLocks noGrp="1"/>
-          </p:cNvSpPr>
-          <p:nvPr>
-            <p:ph idx="1"/>
-          </p:nvPr>
-        </p:nvSpPr>
-        <p:spPr/>
-        <p:txBody>
-          <a:bodyPr>
-            <a:normAutofit/>
-          </a:bodyPr>
-          <a:lstStyle/>
-          <a:p>
-            <a:r>
-              <a:rPr lang="en-US" b="1" dirty="0"/>
-              <a:t>Fork the repository in </a:t>
-            </a:r>
-            <a:r>
-              <a:rPr lang="en-US" b="1" dirty="0" err="1"/>
-              <a:t>GitHub</a:t>
-            </a:r>
-            <a:r>
-              <a:rPr lang="en-US" b="1" dirty="0"/>
-              <a:t>—</a:t>
-            </a:r>
-            <a:r>
-              <a:rPr lang="en-US" dirty="0"/>
-              <a:t>This way we won’t have to worry about folks changing the original version of the code.</a:t>
-            </a:r>
-          </a:p>
-          <a:p>
-            <a:endParaRPr lang="en-US" dirty="0"/>
-          </a:p>
-          <a:p>
-            <a:r>
-              <a:rPr lang="en-US" b="1" dirty="0"/>
-              <a:t>Try the code before the seminar—</a:t>
-            </a:r>
-            <a:r>
-              <a:rPr lang="en-US" dirty="0"/>
-              <a:t>This will give you a chance to install packages and iron out any issues with file paths, etc.</a:t>
-            </a:r>
-          </a:p>
-          <a:p>
-            <a:endParaRPr lang="en-US" dirty="0"/>
-          </a:p>
-          <a:p>
-            <a:r>
-              <a:rPr lang="en-US" b="1" dirty="0"/>
-              <a:t>Learn by doing</a:t>
-            </a:r>
-            <a:r>
-              <a:rPr lang="en-US" dirty="0"/>
-              <a:t>—Follow along with the presenter by running the code yourself.</a:t>
-            </a:r>
-          </a:p>
-        </p:txBody>
-      </p:sp>
-    </p:spTree>
-    <p:extLst>
-      <p:ext uri="{BB962C8B-B14F-4D97-AF65-F5344CB8AC3E}">
-        <p14:creationId xmlns:p14="http://schemas.microsoft.com/office/powerpoint/2010/main" val="2331957542"/>
-      </p:ext>
-    </p:extLst>
-  </p:cSld>
-  <p:clrMapOvr>
-    <a:masterClrMapping/>
-  </p:clrMapOvr>
-</p:sld>
-</file>
-
-<file path=ppt/slides/slide11.xml><?xml version="1.0" encoding="utf-8"?>
-<p:sld xmlns:a="http://schemas.openxmlformats.org/drawingml/2006/main" xmlns:r="http://schemas.openxmlformats.org/officeDocument/2006/relationships" xmlns:p="http://schemas.openxmlformats.org/presentationml/2006/main">
-  <p:cSld>
-    <p:spTree>
-      <p:nvGrpSpPr>
-        <p:cNvPr id="1" name=""/>
-        <p:cNvGrpSpPr/>
-        <p:nvPr/>
-      </p:nvGrpSpPr>
-      <p:grpSpPr>
-        <a:xfrm>
-          <a:off x="0" y="0"/>
-          <a:ext cx="0" cy="0"/>
-          <a:chOff x="0" y="0"/>
-          <a:chExt cx="0" cy="0"/>
-        </a:xfrm>
-      </p:grpSpPr>
-      <p:sp>
-        <p:nvSpPr>
-          <p:cNvPr id="2" name="Title 1"/>
-          <p:cNvSpPr>
-            <a:spLocks noGrp="1"/>
-          </p:cNvSpPr>
-          <p:nvPr>
-            <p:ph type="title"/>
-          </p:nvPr>
-        </p:nvSpPr>
-        <p:spPr/>
-        <p:txBody>
-          <a:bodyPr/>
-          <a:lstStyle/>
-          <a:p>
-            <a:r>
               <a:rPr lang="en-US" dirty="0" err="1"/>
               <a:t>GitHub</a:t>
             </a:r>
@@ -3721,7 +3606,7 @@
 </p:sld>
 </file>
 
-<file path=ppt/slides/slide12.xml><?xml version="1.0" encoding="utf-8"?>
+<file path=ppt/slides/slide11.xml><?xml version="1.0" encoding="utf-8"?>
 <p:sld xmlns:a="http://schemas.openxmlformats.org/drawingml/2006/main" xmlns:r="http://schemas.openxmlformats.org/officeDocument/2006/relationships" xmlns:p="http://schemas.openxmlformats.org/presentationml/2006/main">
   <p:cSld>
     <p:spTree>
@@ -3884,7 +3769,7 @@
 </p:sld>
 </file>
 
-<file path=ppt/slides/slide13.xml><?xml version="1.0" encoding="utf-8"?>
+<file path=ppt/slides/slide12.xml><?xml version="1.0" encoding="utf-8"?>
 <p:sld xmlns:a="http://schemas.openxmlformats.org/drawingml/2006/main" xmlns:r="http://schemas.openxmlformats.org/officeDocument/2006/relationships" xmlns:p="http://schemas.openxmlformats.org/presentationml/2006/main">
   <p:cSld>
     <p:spTree>
@@ -4304,7 +4189,9 @@
         </p:nvSpPr>
         <p:spPr/>
         <p:txBody>
-          <a:bodyPr/>
+          <a:bodyPr>
+            <a:normAutofit fontScale="92500" lnSpcReduction="20000"/>
+          </a:bodyPr>
           <a:lstStyle/>
           <a:p>
             <a:r>
@@ -4325,31 +4212,19 @@
           <a:p>
             <a:r>
               <a:rPr lang="en-US" dirty="0"/>
-              <a:t>Sharing / Collaborating on Files – </a:t>
-            </a:r>
-            <a:r>
-              <a:rPr lang="en-US" dirty="0" err="1"/>
-              <a:t>GitHub</a:t>
-            </a:r>
-            <a:r>
-              <a:rPr lang="en-US" dirty="0"/>
-              <a:t> Organization: </a:t>
-            </a:r>
+              <a:t>Sharing / Collaborating on Files – GitHub Organization:</a:t>
+            </a:r>
+          </a:p>
+          <a:p>
             <a:r>
               <a:rPr lang="en-US" dirty="0">
                 <a:hlinkClick r:id="rId3"/>
               </a:rPr>
-              <a:t>https://github.com/UW-RSeminar-Fall2015</a:t>
-            </a:r>
-            <a:r>
-              <a:rPr lang="en-US" dirty="0"/>
-              <a:t> </a:t>
-            </a:r>
-          </a:p>
-          <a:p>
-            <a:pPr marL="274320" lvl="1" indent="0">
-              <a:buNone/>
-            </a:pPr>
+              <a:t>https://github.com/UCSB-RSeminar-Win22</a:t>
+            </a:r>
+            <a:endParaRPr lang="en-US" dirty="0"/>
+          </a:p>
+          <a:p>
             <a:endParaRPr lang="en-US" dirty="0"/>
           </a:p>
           <a:p>
@@ -4362,6 +4237,40 @@
             <a:r>
               <a:rPr lang="en-US" dirty="0"/>
               <a:t>Subscribe:</a:t>
+            </a:r>
+          </a:p>
+          <a:p>
+            <a:endParaRPr lang="en-US" dirty="0"/>
+          </a:p>
+          <a:p>
+            <a:r>
+              <a:rPr lang="en-US" dirty="0"/>
+              <a:t>Zoom: </a:t>
+            </a:r>
+            <a:r>
+              <a:rPr lang="en-US" dirty="0">
+                <a:hlinkClick r:id="rId4"/>
+              </a:rPr>
+              <a:t>https://ucsb.zoom.us/j/89987313659?pwd</a:t>
+            </a:r>
+            <a:r>
+              <a:rPr lang="en-US">
+                <a:hlinkClick r:id="rId4"/>
+              </a:rPr>
+              <a:t>=TTF3V2RnYWs3Y05Hc1JDOHpKbTFHZz09</a:t>
+            </a:r>
+            <a:endParaRPr lang="en-US" dirty="0"/>
+          </a:p>
+          <a:p>
+            <a:r>
+              <a:rPr lang="en-US" dirty="0"/>
+              <a:t>Meeting ID: 899 8731 3659</a:t>
+            </a:r>
+          </a:p>
+          <a:p>
+            <a:r>
+              <a:rPr lang="en-US" dirty="0"/>
+              <a:t>Passcode: 024436</a:t>
             </a:r>
           </a:p>
         </p:txBody>
@@ -4865,508 +4774,92 @@
             <p:ph type="title"/>
           </p:nvPr>
         </p:nvSpPr>
-        <p:spPr>
-          <a:xfrm>
-            <a:off x="457200" y="382996"/>
-            <a:ext cx="8229600" cy="619697"/>
-          </a:xfrm>
-        </p:spPr>
+        <p:spPr/>
+        <p:txBody>
+          <a:bodyPr/>
+          <a:lstStyle/>
+          <a:p>
+            <a:r>
+              <a:rPr lang="en-US" dirty="0"/>
+              <a:t>Guidelines for Presenters</a:t>
+            </a:r>
+          </a:p>
+        </p:txBody>
+      </p:sp>
+      <p:sp>
+        <p:nvSpPr>
+          <p:cNvPr id="3" name="Content Placeholder 2"/>
+          <p:cNvSpPr>
+            <a:spLocks noGrp="1"/>
+          </p:cNvSpPr>
+          <p:nvPr>
+            <p:ph idx="1"/>
+          </p:nvPr>
+        </p:nvSpPr>
+        <p:spPr/>
         <p:txBody>
           <a:bodyPr>
-            <a:normAutofit fontScale="90000"/>
+            <a:normAutofit lnSpcReduction="10000"/>
           </a:bodyPr>
           <a:lstStyle/>
           <a:p>
             <a:r>
+              <a:rPr lang="en-US" b="1" dirty="0"/>
+              <a:t>Move Slow</a:t>
+            </a:r>
+            <a:r>
               <a:rPr lang="en-US" dirty="0"/>
-              <a:t>Scheduling</a:t>
-            </a:r>
-          </a:p>
-        </p:txBody>
-      </p:sp>
-      <p:graphicFrame>
-        <p:nvGraphicFramePr>
-          <p:cNvPr id="4" name="Content Placeholder 3"/>
-          <p:cNvGraphicFramePr>
-            <a:graphicFrameLocks noGrp="1"/>
-          </p:cNvGraphicFramePr>
-          <p:nvPr>
-            <p:ph idx="1"/>
-            <p:extLst>
-              <p:ext uri="{D42A27DB-BD31-4B8C-83A1-F6EECF244321}">
-                <p14:modId xmlns:p14="http://schemas.microsoft.com/office/powerpoint/2010/main" val="3463572193"/>
-              </p:ext>
-            </p:extLst>
-          </p:nvPr>
-        </p:nvGraphicFramePr>
-        <p:xfrm>
-          <a:off x="133672" y="1263672"/>
-          <a:ext cx="8845176" cy="4725524"/>
-        </p:xfrm>
-        <a:graphic>
-          <a:graphicData uri="http://schemas.openxmlformats.org/drawingml/2006/table">
-            <a:tbl>
-              <a:tblPr firstRow="1" bandRow="1">
-                <a:tableStyleId>{5C22544A-7EE6-4342-B048-85BDC9FD1C3A}</a:tableStyleId>
-              </a:tblPr>
-              <a:tblGrid>
-                <a:gridCol w="2059025">
-                  <a:extLst>
-                    <a:ext uri="{9D8B030D-6E8A-4147-A177-3AD203B41FA5}">
-                      <a16:colId xmlns:a16="http://schemas.microsoft.com/office/drawing/2014/main" val="20000"/>
-                    </a:ext>
-                  </a:extLst>
-                </a:gridCol>
-                <a:gridCol w="3191419">
-                  <a:extLst>
-                    <a:ext uri="{9D8B030D-6E8A-4147-A177-3AD203B41FA5}">
-                      <a16:colId xmlns:a16="http://schemas.microsoft.com/office/drawing/2014/main" val="20001"/>
-                    </a:ext>
-                  </a:extLst>
-                </a:gridCol>
-                <a:gridCol w="3594732">
-                  <a:extLst>
-                    <a:ext uri="{9D8B030D-6E8A-4147-A177-3AD203B41FA5}">
-                      <a16:colId xmlns:a16="http://schemas.microsoft.com/office/drawing/2014/main" val="20002"/>
-                    </a:ext>
-                  </a:extLst>
-                </a:gridCol>
-              </a:tblGrid>
-              <a:tr h="407188">
-                <a:tc>
-                  <a:txBody>
-                    <a:bodyPr/>
-                    <a:lstStyle/>
-                    <a:p>
-                      <a:r>
-                        <a:rPr lang="en-US" dirty="0"/>
-                        <a:t>Date</a:t>
-                      </a:r>
-                    </a:p>
-                  </a:txBody>
-                  <a:tcPr/>
-                </a:tc>
-                <a:tc>
-                  <a:txBody>
-                    <a:bodyPr/>
-                    <a:lstStyle/>
-                    <a:p>
-                      <a:r>
-                        <a:rPr lang="en-US" dirty="0"/>
-                        <a:t>Topic</a:t>
-                      </a:r>
-                    </a:p>
-                  </a:txBody>
-                  <a:tcPr/>
-                </a:tc>
-                <a:tc>
-                  <a:txBody>
-                    <a:bodyPr/>
-                    <a:lstStyle/>
-                    <a:p>
-                      <a:r>
-                        <a:rPr lang="en-US" dirty="0"/>
-                        <a:t>Leader /</a:t>
-                      </a:r>
-                      <a:r>
-                        <a:rPr lang="en-US" baseline="0" dirty="0"/>
-                        <a:t> Leaders</a:t>
-                      </a:r>
-                      <a:endParaRPr lang="en-US" dirty="0"/>
-                    </a:p>
-                  </a:txBody>
-                  <a:tcPr/>
-                </a:tc>
-                <a:extLst>
-                  <a:ext uri="{0D108BD9-81ED-4DB2-BD59-A6C34878D82A}">
-                    <a16:rowId xmlns:a16="http://schemas.microsoft.com/office/drawing/2014/main" val="10000"/>
-                  </a:ext>
-                </a:extLst>
-              </a:tr>
-              <a:tr h="418083">
-                <a:tc>
-                  <a:txBody>
-                    <a:bodyPr/>
-                    <a:lstStyle/>
-                    <a:p>
-                      <a:r>
-                        <a:rPr lang="en-US" dirty="0"/>
-                        <a:t>Oct 13</a:t>
-                      </a:r>
-                    </a:p>
-                  </a:txBody>
-                  <a:tcPr/>
-                </a:tc>
-                <a:tc>
-                  <a:txBody>
-                    <a:bodyPr/>
-                    <a:lstStyle/>
-                    <a:p>
-                      <a:r>
-                        <a:rPr lang="en-US" dirty="0" err="1"/>
-                        <a:t>GitHub</a:t>
-                      </a:r>
-                      <a:r>
-                        <a:rPr lang="en-US" baseline="0" dirty="0"/>
-                        <a:t> / Project Management</a:t>
-                      </a:r>
-                      <a:endParaRPr lang="en-US" dirty="0"/>
-                    </a:p>
-                  </a:txBody>
-                  <a:tcPr/>
-                </a:tc>
-                <a:tc>
-                  <a:txBody>
-                    <a:bodyPr/>
-                    <a:lstStyle/>
-                    <a:p>
-                      <a:r>
-                        <a:rPr lang="en-US" dirty="0"/>
-                        <a:t>Ian</a:t>
-                      </a:r>
-                    </a:p>
-                  </a:txBody>
-                  <a:tcPr/>
-                </a:tc>
-                <a:extLst>
-                  <a:ext uri="{0D108BD9-81ED-4DB2-BD59-A6C34878D82A}">
-                    <a16:rowId xmlns:a16="http://schemas.microsoft.com/office/drawing/2014/main" val="10001"/>
-                  </a:ext>
-                </a:extLst>
-              </a:tr>
-              <a:tr h="459782">
-                <a:tc>
-                  <a:txBody>
-                    <a:bodyPr/>
-                    <a:lstStyle/>
-                    <a:p>
-                      <a:r>
-                        <a:rPr lang="en-US" dirty="0"/>
-                        <a:t>Oct 20</a:t>
-                      </a:r>
-                    </a:p>
-                  </a:txBody>
-                  <a:tcPr/>
-                </a:tc>
-                <a:tc>
-                  <a:txBody>
-                    <a:bodyPr/>
-                    <a:lstStyle/>
-                    <a:p>
-                      <a:endParaRPr lang="en-US" dirty="0"/>
-                    </a:p>
-                  </a:txBody>
-                  <a:tcPr/>
-                </a:tc>
-                <a:tc>
-                  <a:txBody>
-                    <a:bodyPr/>
-                    <a:lstStyle/>
-                    <a:p>
-                      <a:endParaRPr lang="en-US" dirty="0"/>
-                    </a:p>
-                  </a:txBody>
-                  <a:tcPr/>
-                </a:tc>
-                <a:extLst>
-                  <a:ext uri="{0D108BD9-81ED-4DB2-BD59-A6C34878D82A}">
-                    <a16:rowId xmlns:a16="http://schemas.microsoft.com/office/drawing/2014/main" val="10002"/>
-                  </a:ext>
-                </a:extLst>
-              </a:tr>
-              <a:tr h="459782">
-                <a:tc>
-                  <a:txBody>
-                    <a:bodyPr/>
-                    <a:lstStyle/>
-                    <a:p>
-                      <a:r>
-                        <a:rPr lang="en-US" dirty="0"/>
-                        <a:t>Oct</a:t>
-                      </a:r>
-                      <a:r>
-                        <a:rPr lang="en-US" baseline="0" dirty="0"/>
-                        <a:t> 27</a:t>
-                      </a:r>
-                      <a:endParaRPr lang="en-US" dirty="0"/>
-                    </a:p>
-                  </a:txBody>
-                  <a:tcPr/>
-                </a:tc>
-                <a:tc>
-                  <a:txBody>
-                    <a:bodyPr/>
-                    <a:lstStyle/>
-                    <a:p>
-                      <a:endParaRPr lang="en-US" dirty="0"/>
-                    </a:p>
-                  </a:txBody>
-                  <a:tcPr/>
-                </a:tc>
-                <a:tc>
-                  <a:txBody>
-                    <a:bodyPr/>
-                    <a:lstStyle/>
-                    <a:p>
-                      <a:endParaRPr lang="en-US" dirty="0"/>
-                    </a:p>
-                  </a:txBody>
-                  <a:tcPr/>
-                </a:tc>
-                <a:extLst>
-                  <a:ext uri="{0D108BD9-81ED-4DB2-BD59-A6C34878D82A}">
-                    <a16:rowId xmlns:a16="http://schemas.microsoft.com/office/drawing/2014/main" val="10003"/>
-                  </a:ext>
-                </a:extLst>
-              </a:tr>
-              <a:tr h="459782">
-                <a:tc>
-                  <a:txBody>
-                    <a:bodyPr/>
-                    <a:lstStyle/>
-                    <a:p>
-                      <a:r>
-                        <a:rPr lang="en-US" dirty="0"/>
-                        <a:t>Nov 3</a:t>
-                      </a:r>
-                    </a:p>
-                  </a:txBody>
-                  <a:tcPr/>
-                </a:tc>
-                <a:tc>
-                  <a:txBody>
-                    <a:bodyPr/>
-                    <a:lstStyle/>
-                    <a:p>
-                      <a:endParaRPr lang="en-US" dirty="0"/>
-                    </a:p>
-                  </a:txBody>
-                  <a:tcPr/>
-                </a:tc>
-                <a:tc>
-                  <a:txBody>
-                    <a:bodyPr/>
-                    <a:lstStyle/>
-                    <a:p>
-                      <a:endParaRPr lang="en-US" dirty="0"/>
-                    </a:p>
-                  </a:txBody>
-                  <a:tcPr/>
-                </a:tc>
-                <a:extLst>
-                  <a:ext uri="{0D108BD9-81ED-4DB2-BD59-A6C34878D82A}">
-                    <a16:rowId xmlns:a16="http://schemas.microsoft.com/office/drawing/2014/main" val="10004"/>
-                  </a:ext>
-                </a:extLst>
-              </a:tr>
-              <a:tr h="459782">
-                <a:tc>
-                  <a:txBody>
-                    <a:bodyPr/>
-                    <a:lstStyle/>
-                    <a:p>
-                      <a:r>
-                        <a:rPr lang="en-US" dirty="0"/>
-                        <a:t>Nov 10</a:t>
-                      </a:r>
-                    </a:p>
-                  </a:txBody>
-                  <a:tcPr/>
-                </a:tc>
-                <a:tc>
-                  <a:txBody>
-                    <a:bodyPr/>
-                    <a:lstStyle/>
-                    <a:p>
-                      <a:endParaRPr lang="en-US" dirty="0"/>
-                    </a:p>
-                  </a:txBody>
-                  <a:tcPr/>
-                </a:tc>
-                <a:tc>
-                  <a:txBody>
-                    <a:bodyPr/>
-                    <a:lstStyle/>
-                    <a:p>
-                      <a:endParaRPr lang="en-US" dirty="0"/>
-                    </a:p>
-                  </a:txBody>
-                  <a:tcPr/>
-                </a:tc>
-                <a:extLst>
-                  <a:ext uri="{0D108BD9-81ED-4DB2-BD59-A6C34878D82A}">
-                    <a16:rowId xmlns:a16="http://schemas.microsoft.com/office/drawing/2014/main" val="10005"/>
-                  </a:ext>
-                </a:extLst>
-              </a:tr>
-              <a:tr h="459782">
-                <a:tc>
-                  <a:txBody>
-                    <a:bodyPr/>
-                    <a:lstStyle/>
-                    <a:p>
-                      <a:r>
-                        <a:rPr lang="en-US" dirty="0"/>
-                        <a:t>Nov 17</a:t>
-                      </a:r>
-                    </a:p>
-                  </a:txBody>
-                  <a:tcPr/>
-                </a:tc>
-                <a:tc>
-                  <a:txBody>
-                    <a:bodyPr/>
-                    <a:lstStyle/>
-                    <a:p>
-                      <a:endParaRPr lang="en-US" dirty="0"/>
-                    </a:p>
-                  </a:txBody>
-                  <a:tcPr/>
-                </a:tc>
-                <a:tc>
-                  <a:txBody>
-                    <a:bodyPr/>
-                    <a:lstStyle/>
-                    <a:p>
-                      <a:endParaRPr lang="en-US" dirty="0"/>
-                    </a:p>
-                  </a:txBody>
-                  <a:tcPr/>
-                </a:tc>
-                <a:extLst>
-                  <a:ext uri="{0D108BD9-81ED-4DB2-BD59-A6C34878D82A}">
-                    <a16:rowId xmlns:a16="http://schemas.microsoft.com/office/drawing/2014/main" val="10006"/>
-                  </a:ext>
-                </a:extLst>
-              </a:tr>
-              <a:tr h="459782">
-                <a:tc>
-                  <a:txBody>
-                    <a:bodyPr/>
-                    <a:lstStyle/>
-                    <a:p>
-                      <a:r>
-                        <a:rPr lang="en-US" dirty="0"/>
-                        <a:t>Nov 24</a:t>
-                      </a:r>
-                    </a:p>
-                  </a:txBody>
-                  <a:tcPr/>
-                </a:tc>
-                <a:tc>
-                  <a:txBody>
-                    <a:bodyPr/>
-                    <a:lstStyle/>
-                    <a:p>
-                      <a:endParaRPr lang="en-US" dirty="0"/>
-                    </a:p>
-                  </a:txBody>
-                  <a:tcPr/>
-                </a:tc>
-                <a:tc>
-                  <a:txBody>
-                    <a:bodyPr/>
-                    <a:lstStyle/>
-                    <a:p>
-                      <a:endParaRPr lang="en-US" dirty="0"/>
-                    </a:p>
-                  </a:txBody>
-                  <a:tcPr/>
-                </a:tc>
-                <a:extLst>
-                  <a:ext uri="{0D108BD9-81ED-4DB2-BD59-A6C34878D82A}">
-                    <a16:rowId xmlns:a16="http://schemas.microsoft.com/office/drawing/2014/main" val="10007"/>
-                  </a:ext>
-                </a:extLst>
-              </a:tr>
-              <a:tr h="459782">
-                <a:tc>
-                  <a:txBody>
-                    <a:bodyPr/>
-                    <a:lstStyle/>
-                    <a:p>
-                      <a:r>
-                        <a:rPr lang="en-US" dirty="0"/>
-                        <a:t>Dec 1</a:t>
-                      </a:r>
-                    </a:p>
-                  </a:txBody>
-                  <a:tcPr/>
-                </a:tc>
-                <a:tc>
-                  <a:txBody>
-                    <a:bodyPr/>
-                    <a:lstStyle/>
-                    <a:p>
-                      <a:endParaRPr lang="en-US" dirty="0"/>
-                    </a:p>
-                  </a:txBody>
-                  <a:tcPr/>
-                </a:tc>
-                <a:tc>
-                  <a:txBody>
-                    <a:bodyPr/>
-                    <a:lstStyle/>
-                    <a:p>
-                      <a:endParaRPr lang="en-US" dirty="0"/>
-                    </a:p>
-                  </a:txBody>
-                  <a:tcPr/>
-                </a:tc>
-                <a:extLst>
-                  <a:ext uri="{0D108BD9-81ED-4DB2-BD59-A6C34878D82A}">
-                    <a16:rowId xmlns:a16="http://schemas.microsoft.com/office/drawing/2014/main" val="10008"/>
-                  </a:ext>
-                </a:extLst>
-              </a:tr>
-              <a:tr h="459782">
-                <a:tc>
-                  <a:txBody>
-                    <a:bodyPr/>
-                    <a:lstStyle/>
-                    <a:p>
-                      <a:r>
-                        <a:rPr lang="en-US" dirty="0"/>
-                        <a:t>Dec 8</a:t>
-                      </a:r>
-                    </a:p>
-                  </a:txBody>
-                  <a:tcPr/>
-                </a:tc>
-                <a:tc>
-                  <a:txBody>
-                    <a:bodyPr/>
-                    <a:lstStyle/>
-                    <a:p>
-                      <a:endParaRPr lang="en-US" dirty="0"/>
-                    </a:p>
-                  </a:txBody>
-                  <a:tcPr/>
-                </a:tc>
-                <a:tc>
-                  <a:txBody>
-                    <a:bodyPr/>
-                    <a:lstStyle/>
-                    <a:p>
-                      <a:endParaRPr lang="en-US" dirty="0"/>
-                    </a:p>
-                  </a:txBody>
-                  <a:tcPr/>
-                </a:tc>
-                <a:extLst>
-                  <a:ext uri="{0D108BD9-81ED-4DB2-BD59-A6C34878D82A}">
-                    <a16:rowId xmlns:a16="http://schemas.microsoft.com/office/drawing/2014/main" val="10009"/>
-                  </a:ext>
-                </a:extLst>
-              </a:tr>
-            </a:tbl>
-          </a:graphicData>
-        </a:graphic>
-      </p:graphicFrame>
+              <a:t>—You know your code, data and approach better than your audience.</a:t>
+            </a:r>
+          </a:p>
+          <a:p>
+            <a:endParaRPr lang="en-US" dirty="0"/>
+          </a:p>
+          <a:p>
+            <a:r>
+              <a:rPr lang="en-US" b="1" dirty="0"/>
+              <a:t>Make it Interactive</a:t>
+            </a:r>
+            <a:r>
+              <a:rPr lang="en-US" dirty="0"/>
+              <a:t>—Include a simple exercise to give people a chance to play with the code.</a:t>
+            </a:r>
+          </a:p>
+          <a:p>
+            <a:endParaRPr lang="en-US" dirty="0"/>
+          </a:p>
+          <a:p>
+            <a:r>
+              <a:rPr lang="en-US" b="1" dirty="0"/>
+              <a:t>Upload scripts and data at least 24hr in advance</a:t>
+            </a:r>
+            <a:r>
+              <a:rPr lang="en-US" dirty="0"/>
+              <a:t>—Allows folks to install packages, work out any platform-specific kinks.</a:t>
+            </a:r>
+          </a:p>
+          <a:p>
+            <a:endParaRPr lang="en-US" dirty="0"/>
+          </a:p>
+          <a:p>
+            <a:r>
+              <a:rPr lang="en-US" b="1" dirty="0"/>
+              <a:t>Ground in Science</a:t>
+            </a:r>
+            <a:r>
+              <a:rPr lang="en-US" dirty="0"/>
+              <a:t>—We are scientists, not programmers.</a:t>
+            </a:r>
+          </a:p>
+          <a:p>
+            <a:endParaRPr lang="en-US" dirty="0"/>
+          </a:p>
+        </p:txBody>
+      </p:sp>
     </p:spTree>
     <p:extLst>
       <p:ext uri="{BB962C8B-B14F-4D97-AF65-F5344CB8AC3E}">
-        <p14:creationId xmlns:p14="http://schemas.microsoft.com/office/powerpoint/2010/main" val="1734620166"/>
+        <p14:creationId xmlns:p14="http://schemas.microsoft.com/office/powerpoint/2010/main" val="910350455"/>
       </p:ext>
     </p:extLst>
   </p:cSld>
@@ -5410,7 +4903,7 @@
           <a:p>
             <a:r>
               <a:rPr lang="en-US" dirty="0"/>
-              <a:t>Guidelines for Presenters</a:t>
+              <a:t>Guidelines for Participants</a:t>
             </a:r>
           </a:p>
         </p:txBody>
@@ -5428,17 +4921,25 @@
         <p:spPr/>
         <p:txBody>
           <a:bodyPr>
-            <a:normAutofit lnSpcReduction="10000"/>
+            <a:normAutofit/>
           </a:bodyPr>
           <a:lstStyle/>
           <a:p>
             <a:r>
               <a:rPr lang="en-US" b="1" dirty="0"/>
-              <a:t>Focus on the Science</a:t>
+              <a:t>Fork the repository in </a:t>
+            </a:r>
+            <a:r>
+              <a:rPr lang="en-US" b="1" dirty="0" err="1"/>
+              <a:t>GitHub</a:t>
+            </a:r>
+            <a:r>
+              <a:rPr lang="en-US" b="1" dirty="0"/>
+              <a:t>—</a:t>
             </a:r>
             <a:r>
               <a:rPr lang="en-US" dirty="0"/>
-              <a:t>—We are scientists, not programmers.</a:t>
+              <a:t>This way we won’t have to worry about folks changing the original version of the code.</a:t>
             </a:r>
           </a:p>
           <a:p>
@@ -5447,11 +4948,11 @@
           <a:p>
             <a:r>
               <a:rPr lang="en-US" b="1" dirty="0"/>
-              <a:t>Move Slow</a:t>
+              <a:t>Try the code before the seminar—</a:t>
             </a:r>
             <a:r>
               <a:rPr lang="en-US" dirty="0"/>
-              <a:t>—You know your code, data and approach better than your audience.</a:t>
+              <a:t>This will give you a chance to install packages and iron out any issues with file paths, etc.</a:t>
             </a:r>
           </a:p>
           <a:p>
@@ -5460,24 +4961,11 @@
           <a:p>
             <a:r>
               <a:rPr lang="en-US" b="1" dirty="0"/>
-              <a:t>Make it Interactive</a:t>
+              <a:t>Learn by doing</a:t>
             </a:r>
             <a:r>
               <a:rPr lang="en-US" dirty="0"/>
-              <a:t>—Include a simple exercise to give people a chance to play with the code.</a:t>
-            </a:r>
-          </a:p>
-          <a:p>
-            <a:endParaRPr lang="en-US" dirty="0"/>
-          </a:p>
-          <a:p>
-            <a:r>
-              <a:rPr lang="en-US" b="1" dirty="0"/>
-              <a:t>Upload scripts and data at least 24hr in advance</a:t>
-            </a:r>
-            <a:r>
-              <a:rPr lang="en-US" dirty="0"/>
-              <a:t>—Allows folks to install packages, work out any platform-specific kinks.</a:t>
+              <a:t>—Follow along with the presenter by running the code yourself.</a:t>
             </a:r>
           </a:p>
         </p:txBody>
@@ -5485,7 +4973,7 @@
     </p:spTree>
     <p:extLst>
       <p:ext uri="{BB962C8B-B14F-4D97-AF65-F5344CB8AC3E}">
-        <p14:creationId xmlns:p14="http://schemas.microsoft.com/office/powerpoint/2010/main" val="910350455"/>
+        <p14:creationId xmlns:p14="http://schemas.microsoft.com/office/powerpoint/2010/main" val="2331957542"/>
       </p:ext>
     </p:extLst>
   </p:cSld>

--- a/Week1_Introduction.pptx
+++ b/Week1_Introduction.pptx
@@ -15,8 +15,12 @@
     <p:sldId id="262" r:id="rId9"/>
     <p:sldId id="269" r:id="rId10"/>
     <p:sldId id="267" r:id="rId11"/>
-    <p:sldId id="268" r:id="rId12"/>
-    <p:sldId id="264" r:id="rId13"/>
+    <p:sldId id="270" r:id="rId12"/>
+    <p:sldId id="273" r:id="rId13"/>
+    <p:sldId id="271" r:id="rId14"/>
+    <p:sldId id="272" r:id="rId15"/>
+    <p:sldId id="268" r:id="rId16"/>
+    <p:sldId id="264" r:id="rId17"/>
   </p:sldIdLst>
   <p:sldSz cx="9144000" cy="6858000" type="screen4x3"/>
   <p:notesSz cx="6858000" cy="9144000"/>
@@ -322,7 +326,7 @@
           <a:p>
             <a:fld id="{C8A432C8-69A7-458B-9684-2BFA64B31948}" type="datetime2">
               <a:rPr lang="en-US" smtClean="0"/>
-              <a:t>Sunday, January 2, 2022</a:t>
+              <a:t>Tuesday, January 4, 2022</a:t>
             </a:fld>
             <a:endParaRPr lang="en-US"/>
           </a:p>
@@ -522,7 +526,7 @@
           <a:p>
             <a:fld id="{8CC057FC-95B6-4D89-AFDA-ABA33EE921E5}" type="datetime2">
               <a:rPr lang="en-US" smtClean="0"/>
-              <a:t>Sunday, January 2, 2022</a:t>
+              <a:t>Tuesday, January 4, 2022</a:t>
             </a:fld>
             <a:endParaRPr lang="en-US"/>
           </a:p>
@@ -699,7 +703,7 @@
           <a:p>
             <a:fld id="{EC4549AC-EB31-477F-92A9-B1988E232878}" type="datetime2">
               <a:rPr lang="en-US" smtClean="0"/>
-              <a:t>Sunday, January 2, 2022</a:t>
+              <a:t>Tuesday, January 4, 2022</a:t>
             </a:fld>
             <a:endParaRPr lang="en-US"/>
           </a:p>
@@ -864,7 +868,7 @@
           <a:p>
             <a:fld id="{6396A3A3-94A6-4E5B-AF39-173ACA3E61CC}" type="datetime2">
               <a:rPr lang="en-US" smtClean="0"/>
-              <a:t>Sunday, January 2, 2022</a:t>
+              <a:t>Tuesday, January 4, 2022</a:t>
             </a:fld>
             <a:endParaRPr lang="en-US"/>
           </a:p>
@@ -1114,7 +1118,7 @@
           <a:p>
             <a:fld id="{9933D019-A32C-4EAD-B8E6-DBDA699692FD}" type="datetime2">
               <a:rPr lang="en-US" smtClean="0"/>
-              <a:t>Sunday, January 2, 2022</a:t>
+              <a:t>Tuesday, January 4, 2022</a:t>
             </a:fld>
             <a:endParaRPr lang="en-US"/>
           </a:p>
@@ -1433,7 +1437,7 @@
           <a:p>
             <a:fld id="{CCEBA98F-560C-4997-81C4-81D4D9187EAB}" type="datetime2">
               <a:rPr lang="en-US" smtClean="0"/>
-              <a:t>Sunday, January 2, 2022</a:t>
+              <a:t>Tuesday, January 4, 2022</a:t>
             </a:fld>
             <a:endParaRPr lang="en-US"/>
           </a:p>
@@ -1901,7 +1905,7 @@
           <a:p>
             <a:fld id="{150972B2-CA5C-437D-87D0-8081271A9E4B}" type="datetime2">
               <a:rPr lang="en-US" smtClean="0"/>
-              <a:t>Sunday, January 2, 2022</a:t>
+              <a:t>Tuesday, January 4, 2022</a:t>
             </a:fld>
             <a:endParaRPr lang="en-US"/>
           </a:p>
@@ -2050,7 +2054,7 @@
           <a:p>
             <a:fld id="{79CD4847-11EF-4466-A8AD-85CDB7B49118}" type="datetime2">
               <a:rPr lang="en-US" smtClean="0"/>
-              <a:t>Sunday, January 2, 2022</a:t>
+              <a:t>Tuesday, January 4, 2022</a:t>
             </a:fld>
             <a:endParaRPr lang="en-US"/>
           </a:p>
@@ -2142,7 +2146,7 @@
           <a:p>
             <a:fld id="{F168457A-3AB9-4880-8A0C-9F8524491207}" type="datetime2">
               <a:rPr lang="en-US" smtClean="0"/>
-              <a:t>Sunday, January 2, 2022</a:t>
+              <a:t>Tuesday, January 4, 2022</a:t>
             </a:fld>
             <a:endParaRPr lang="en-US"/>
           </a:p>
@@ -2418,7 +2422,7 @@
           <a:p>
             <a:fld id="{3FE976D3-5B7F-4300-ABED-C91F1B2AE209}" type="datetime2">
               <a:rPr lang="en-US" smtClean="0"/>
-              <a:t>Sunday, January 2, 2022</a:t>
+              <a:t>Tuesday, January 4, 2022</a:t>
             </a:fld>
             <a:endParaRPr lang="en-US"/>
           </a:p>
@@ -2725,7 +2729,7 @@
           <a:p>
             <a:fld id="{EBDC1E59-17DD-41CE-97CA-624A472382D4}" type="datetime2">
               <a:rPr lang="en-US" smtClean="0"/>
-              <a:t>Sunday, January 2, 2022</a:t>
+              <a:t>Tuesday, January 4, 2022</a:t>
             </a:fld>
             <a:endParaRPr lang="en-US"/>
           </a:p>
@@ -3025,7 +3029,7 @@
           <a:p>
             <a:fld id="{A80CB818-7379-467D-8E76-EF9D9074A26C}" type="datetime2">
               <a:rPr lang="en-US" smtClean="0"/>
-              <a:t>Sunday, January 2, 2022</a:t>
+              <a:t>Tuesday, January 4, 2022</a:t>
             </a:fld>
             <a:endParaRPr lang="en-US" dirty="0"/>
           </a:p>
@@ -3623,6 +3627,2172 @@
           <a:chExt cx="0" cy="0"/>
         </a:xfrm>
       </p:grpSpPr>
+      <p:pic>
+        <p:nvPicPr>
+          <p:cNvPr id="5" name="Picture 4"/>
+          <p:cNvPicPr>
+            <a:picLocks noChangeAspect="1"/>
+          </p:cNvPicPr>
+          <p:nvPr/>
+        </p:nvPicPr>
+        <p:blipFill>
+          <a:blip r:embed="rId2"/>
+          <a:stretch>
+            <a:fillRect/>
+          </a:stretch>
+        </p:blipFill>
+        <p:spPr>
+          <a:xfrm>
+            <a:off x="731517" y="1604366"/>
+            <a:ext cx="948368" cy="948368"/>
+          </a:xfrm>
+          <a:prstGeom prst="rect">
+            <a:avLst/>
+          </a:prstGeom>
+        </p:spPr>
+      </p:pic>
+      <p:sp>
+        <p:nvSpPr>
+          <p:cNvPr id="6" name="TextBox 5">
+            <a:extLst>
+              <a:ext uri="{FF2B5EF4-FFF2-40B4-BE49-F238E27FC236}">
+                <a16:creationId xmlns:a16="http://schemas.microsoft.com/office/drawing/2014/main" id="{0059E08F-C957-D447-9094-63C1D6D2D51F}"/>
+              </a:ext>
+            </a:extLst>
+          </p:cNvPr>
+          <p:cNvSpPr txBox="1"/>
+          <p:nvPr/>
+        </p:nvSpPr>
+        <p:spPr>
+          <a:xfrm>
+            <a:off x="510639" y="1235034"/>
+            <a:ext cx="1390124" cy="369332"/>
+          </a:xfrm>
+          <a:prstGeom prst="rect">
+            <a:avLst/>
+          </a:prstGeom>
+          <a:noFill/>
+        </p:spPr>
+        <p:txBody>
+          <a:bodyPr wrap="none" rtlCol="0">
+            <a:spAutoFit/>
+          </a:bodyPr>
+          <a:lstStyle/>
+          <a:p>
+            <a:r>
+              <a:rPr lang="en-US" dirty="0" err="1"/>
+              <a:t>Github</a:t>
+            </a:r>
+            <a:r>
+              <a:rPr lang="en-US" dirty="0"/>
+              <a:t> repo</a:t>
+            </a:r>
+          </a:p>
+        </p:txBody>
+      </p:sp>
+      <p:cxnSp>
+        <p:nvCxnSpPr>
+          <p:cNvPr id="8" name="Straight Arrow Connector 7">
+            <a:extLst>
+              <a:ext uri="{FF2B5EF4-FFF2-40B4-BE49-F238E27FC236}">
+                <a16:creationId xmlns:a16="http://schemas.microsoft.com/office/drawing/2014/main" id="{07B195D8-FDA5-A545-AB19-8BEB340B1952}"/>
+              </a:ext>
+            </a:extLst>
+          </p:cNvPr>
+          <p:cNvCxnSpPr/>
+          <p:nvPr/>
+        </p:nvCxnSpPr>
+        <p:spPr>
+          <a:xfrm>
+            <a:off x="1389413" y="2552734"/>
+            <a:ext cx="629392" cy="876266"/>
+          </a:xfrm>
+          <a:prstGeom prst="straightConnector1">
+            <a:avLst/>
+          </a:prstGeom>
+          <a:ln w="38100">
+            <a:solidFill>
+              <a:schemeClr val="tx1"/>
+            </a:solidFill>
+            <a:tailEnd type="triangle"/>
+          </a:ln>
+        </p:spPr>
+        <p:style>
+          <a:lnRef idx="1">
+            <a:schemeClr val="accent1"/>
+          </a:lnRef>
+          <a:fillRef idx="0">
+            <a:schemeClr val="accent1"/>
+          </a:fillRef>
+          <a:effectRef idx="0">
+            <a:schemeClr val="accent1"/>
+          </a:effectRef>
+          <a:fontRef idx="minor">
+            <a:schemeClr val="tx1"/>
+          </a:fontRef>
+        </p:style>
+      </p:cxnSp>
+      <p:sp>
+        <p:nvSpPr>
+          <p:cNvPr id="10" name="TextBox 9">
+            <a:extLst>
+              <a:ext uri="{FF2B5EF4-FFF2-40B4-BE49-F238E27FC236}">
+                <a16:creationId xmlns:a16="http://schemas.microsoft.com/office/drawing/2014/main" id="{3A56CDBA-8A07-1445-B074-183974FB141B}"/>
+              </a:ext>
+            </a:extLst>
+          </p:cNvPr>
+          <p:cNvSpPr txBox="1"/>
+          <p:nvPr/>
+        </p:nvSpPr>
+        <p:spPr>
+          <a:xfrm>
+            <a:off x="154379" y="3206338"/>
+            <a:ext cx="1675132" cy="1754326"/>
+          </a:xfrm>
+          <a:prstGeom prst="rect">
+            <a:avLst/>
+          </a:prstGeom>
+          <a:noFill/>
+        </p:spPr>
+        <p:txBody>
+          <a:bodyPr wrap="square" rtlCol="0">
+            <a:spAutoFit/>
+          </a:bodyPr>
+          <a:lstStyle/>
+          <a:p>
+            <a:r>
+              <a:rPr lang="en-US" dirty="0"/>
+              <a:t>Clone to local machine </a:t>
+            </a:r>
+          </a:p>
+          <a:p>
+            <a:r>
+              <a:rPr lang="en-US" dirty="0"/>
+              <a:t>(or ‘pull’ most recent version)</a:t>
+            </a:r>
+          </a:p>
+          <a:p>
+            <a:endParaRPr lang="en-US" dirty="0"/>
+          </a:p>
+        </p:txBody>
+      </p:sp>
+      <p:pic>
+        <p:nvPicPr>
+          <p:cNvPr id="12" name="Graphic 11" descr="Internet with solid fill">
+            <a:extLst>
+              <a:ext uri="{FF2B5EF4-FFF2-40B4-BE49-F238E27FC236}">
+                <a16:creationId xmlns:a16="http://schemas.microsoft.com/office/drawing/2014/main" id="{9FAD5296-222E-084F-87F8-5557B2C9A7B4}"/>
+              </a:ext>
+            </a:extLst>
+          </p:cNvPr>
+          <p:cNvPicPr>
+            <a:picLocks noChangeAspect="1"/>
+          </p:cNvPicPr>
+          <p:nvPr/>
+        </p:nvPicPr>
+        <p:blipFill>
+          <a:blip r:embed="rId3">
+            <a:extLst>
+              <a:ext uri="{28A0092B-C50C-407E-A947-70E740481C1C}">
+                <a14:useLocalDpi xmlns:a14="http://schemas.microsoft.com/office/drawing/2010/main" val="0"/>
+              </a:ext>
+              <a:ext uri="{96DAC541-7B7A-43D3-8B79-37D633B846F1}">
+                <asvg:svgBlip xmlns:asvg="http://schemas.microsoft.com/office/drawing/2016/SVG/main" r:embed="rId4"/>
+              </a:ext>
+            </a:extLst>
+          </a:blip>
+          <a:stretch>
+            <a:fillRect/>
+          </a:stretch>
+        </p:blipFill>
+        <p:spPr>
+          <a:xfrm>
+            <a:off x="1894825" y="3426031"/>
+            <a:ext cx="914400" cy="914400"/>
+          </a:xfrm>
+          <a:prstGeom prst="rect">
+            <a:avLst/>
+          </a:prstGeom>
+        </p:spPr>
+      </p:pic>
+      <p:cxnSp>
+        <p:nvCxnSpPr>
+          <p:cNvPr id="13" name="Straight Arrow Connector 12">
+            <a:extLst>
+              <a:ext uri="{FF2B5EF4-FFF2-40B4-BE49-F238E27FC236}">
+                <a16:creationId xmlns:a16="http://schemas.microsoft.com/office/drawing/2014/main" id="{46E60B99-7F21-0949-9DA6-8686D57205CE}"/>
+              </a:ext>
+            </a:extLst>
+          </p:cNvPr>
+          <p:cNvCxnSpPr>
+            <a:cxnSpLocks/>
+          </p:cNvCxnSpPr>
+          <p:nvPr/>
+        </p:nvCxnSpPr>
+        <p:spPr>
+          <a:xfrm flipV="1">
+            <a:off x="3002478" y="3902298"/>
+            <a:ext cx="1047008" cy="1"/>
+          </a:xfrm>
+          <a:prstGeom prst="straightConnector1">
+            <a:avLst/>
+          </a:prstGeom>
+          <a:ln w="38100">
+            <a:solidFill>
+              <a:schemeClr val="tx1"/>
+            </a:solidFill>
+            <a:tailEnd type="triangle"/>
+          </a:ln>
+        </p:spPr>
+        <p:style>
+          <a:lnRef idx="1">
+            <a:schemeClr val="accent1"/>
+          </a:lnRef>
+          <a:fillRef idx="0">
+            <a:schemeClr val="accent1"/>
+          </a:fillRef>
+          <a:effectRef idx="0">
+            <a:schemeClr val="accent1"/>
+          </a:effectRef>
+          <a:fontRef idx="minor">
+            <a:schemeClr val="tx1"/>
+          </a:fontRef>
+        </p:style>
+      </p:cxnSp>
+      <p:pic>
+        <p:nvPicPr>
+          <p:cNvPr id="15" name="Graphic 14" descr="Internet with solid fill">
+            <a:extLst>
+              <a:ext uri="{FF2B5EF4-FFF2-40B4-BE49-F238E27FC236}">
+                <a16:creationId xmlns:a16="http://schemas.microsoft.com/office/drawing/2014/main" id="{A4BB6F85-BD07-DA4A-9749-DE711945E782}"/>
+              </a:ext>
+            </a:extLst>
+          </p:cNvPr>
+          <p:cNvPicPr>
+            <a:picLocks noChangeAspect="1"/>
+          </p:cNvPicPr>
+          <p:nvPr/>
+        </p:nvPicPr>
+        <p:blipFill>
+          <a:blip r:embed="rId3">
+            <a:extLst>
+              <a:ext uri="{28A0092B-C50C-407E-A947-70E740481C1C}">
+                <a14:useLocalDpi xmlns:a14="http://schemas.microsoft.com/office/drawing/2010/main" val="0"/>
+              </a:ext>
+              <a:ext uri="{96DAC541-7B7A-43D3-8B79-37D633B846F1}">
+                <asvg:svgBlip xmlns:asvg="http://schemas.microsoft.com/office/drawing/2016/SVG/main" r:embed="rId4"/>
+              </a:ext>
+            </a:extLst>
+          </a:blip>
+          <a:stretch>
+            <a:fillRect/>
+          </a:stretch>
+        </p:blipFill>
+        <p:spPr>
+          <a:xfrm>
+            <a:off x="4203865" y="3470587"/>
+            <a:ext cx="914400" cy="914400"/>
+          </a:xfrm>
+          <a:prstGeom prst="rect">
+            <a:avLst/>
+          </a:prstGeom>
+        </p:spPr>
+      </p:pic>
+      <p:sp>
+        <p:nvSpPr>
+          <p:cNvPr id="17" name="TextBox 16">
+            <a:extLst>
+              <a:ext uri="{FF2B5EF4-FFF2-40B4-BE49-F238E27FC236}">
+                <a16:creationId xmlns:a16="http://schemas.microsoft.com/office/drawing/2014/main" id="{43BE9E1A-72B8-7C43-BA70-4CBAC9DB79DA}"/>
+              </a:ext>
+            </a:extLst>
+          </p:cNvPr>
+          <p:cNvSpPr txBox="1"/>
+          <p:nvPr/>
+        </p:nvSpPr>
+        <p:spPr>
+          <a:xfrm>
+            <a:off x="3040084" y="4286992"/>
+            <a:ext cx="1270660" cy="1200329"/>
+          </a:xfrm>
+          <a:prstGeom prst="rect">
+            <a:avLst/>
+          </a:prstGeom>
+          <a:noFill/>
+        </p:spPr>
+        <p:txBody>
+          <a:bodyPr wrap="square" rtlCol="0">
+            <a:spAutoFit/>
+          </a:bodyPr>
+          <a:lstStyle/>
+          <a:p>
+            <a:r>
+              <a:rPr lang="en-US" dirty="0"/>
+              <a:t>Edit project, commit changes</a:t>
+            </a:r>
+          </a:p>
+        </p:txBody>
+      </p:sp>
+      <p:sp>
+        <p:nvSpPr>
+          <p:cNvPr id="18" name="TextBox 17">
+            <a:extLst>
+              <a:ext uri="{FF2B5EF4-FFF2-40B4-BE49-F238E27FC236}">
+                <a16:creationId xmlns:a16="http://schemas.microsoft.com/office/drawing/2014/main" id="{643C9744-4378-C94E-8E26-D865CD746CAD}"/>
+              </a:ext>
+            </a:extLst>
+          </p:cNvPr>
+          <p:cNvSpPr txBox="1"/>
+          <p:nvPr/>
+        </p:nvSpPr>
+        <p:spPr>
+          <a:xfrm>
+            <a:off x="5834996" y="3274185"/>
+            <a:ext cx="1270660" cy="1754326"/>
+          </a:xfrm>
+          <a:prstGeom prst="rect">
+            <a:avLst/>
+          </a:prstGeom>
+          <a:noFill/>
+        </p:spPr>
+        <p:txBody>
+          <a:bodyPr wrap="square" rtlCol="0">
+            <a:spAutoFit/>
+          </a:bodyPr>
+          <a:lstStyle/>
+          <a:p>
+            <a:r>
+              <a:rPr lang="en-US" dirty="0"/>
+              <a:t>‘push’ commits to the main version in the cloud</a:t>
+            </a:r>
+          </a:p>
+        </p:txBody>
+      </p:sp>
+      <p:cxnSp>
+        <p:nvCxnSpPr>
+          <p:cNvPr id="19" name="Straight Arrow Connector 18">
+            <a:extLst>
+              <a:ext uri="{FF2B5EF4-FFF2-40B4-BE49-F238E27FC236}">
+                <a16:creationId xmlns:a16="http://schemas.microsoft.com/office/drawing/2014/main" id="{42B75715-0AA4-7C40-8CB4-F8D0BDFC53FD}"/>
+              </a:ext>
+            </a:extLst>
+          </p:cNvPr>
+          <p:cNvCxnSpPr>
+            <a:cxnSpLocks/>
+          </p:cNvCxnSpPr>
+          <p:nvPr/>
+        </p:nvCxnSpPr>
+        <p:spPr>
+          <a:xfrm flipV="1">
+            <a:off x="5118265" y="2220686"/>
+            <a:ext cx="748145" cy="1653664"/>
+          </a:xfrm>
+          <a:prstGeom prst="straightConnector1">
+            <a:avLst/>
+          </a:prstGeom>
+          <a:ln w="38100">
+            <a:solidFill>
+              <a:schemeClr val="tx1"/>
+            </a:solidFill>
+            <a:tailEnd type="triangle"/>
+          </a:ln>
+        </p:spPr>
+        <p:style>
+          <a:lnRef idx="1">
+            <a:schemeClr val="accent1"/>
+          </a:lnRef>
+          <a:fillRef idx="0">
+            <a:schemeClr val="accent1"/>
+          </a:fillRef>
+          <a:effectRef idx="0">
+            <a:schemeClr val="accent1"/>
+          </a:effectRef>
+          <a:fontRef idx="minor">
+            <a:schemeClr val="tx1"/>
+          </a:fontRef>
+        </p:style>
+      </p:cxnSp>
+      <p:pic>
+        <p:nvPicPr>
+          <p:cNvPr id="21" name="Picture 20">
+            <a:extLst>
+              <a:ext uri="{FF2B5EF4-FFF2-40B4-BE49-F238E27FC236}">
+                <a16:creationId xmlns:a16="http://schemas.microsoft.com/office/drawing/2014/main" id="{ECB46301-31F1-FF4F-80BD-6CFB30E2263E}"/>
+              </a:ext>
+            </a:extLst>
+          </p:cNvPr>
+          <p:cNvPicPr>
+            <a:picLocks noChangeAspect="1"/>
+          </p:cNvPicPr>
+          <p:nvPr/>
+        </p:nvPicPr>
+        <p:blipFill>
+          <a:blip r:embed="rId2"/>
+          <a:stretch>
+            <a:fillRect/>
+          </a:stretch>
+        </p:blipFill>
+        <p:spPr>
+          <a:xfrm>
+            <a:off x="6276108" y="1565346"/>
+            <a:ext cx="948368" cy="948368"/>
+          </a:xfrm>
+          <a:prstGeom prst="rect">
+            <a:avLst/>
+          </a:prstGeom>
+        </p:spPr>
+      </p:pic>
+      <p:sp>
+        <p:nvSpPr>
+          <p:cNvPr id="22" name="TextBox 21">
+            <a:extLst>
+              <a:ext uri="{FF2B5EF4-FFF2-40B4-BE49-F238E27FC236}">
+                <a16:creationId xmlns:a16="http://schemas.microsoft.com/office/drawing/2014/main" id="{6E33D812-20EC-F44E-B8B1-4941DD777B62}"/>
+              </a:ext>
+            </a:extLst>
+          </p:cNvPr>
+          <p:cNvSpPr txBox="1"/>
+          <p:nvPr/>
+        </p:nvSpPr>
+        <p:spPr>
+          <a:xfrm>
+            <a:off x="3004457" y="3230088"/>
+            <a:ext cx="761747" cy="369332"/>
+          </a:xfrm>
+          <a:prstGeom prst="rect">
+            <a:avLst/>
+          </a:prstGeom>
+          <a:noFill/>
+        </p:spPr>
+        <p:txBody>
+          <a:bodyPr wrap="none" rtlCol="0">
+            <a:spAutoFit/>
+          </a:bodyPr>
+          <a:lstStyle/>
+          <a:p>
+            <a:r>
+              <a:rPr lang="en-US" dirty="0"/>
+              <a:t>‘local’</a:t>
+            </a:r>
+          </a:p>
+        </p:txBody>
+      </p:sp>
+      <p:cxnSp>
+        <p:nvCxnSpPr>
+          <p:cNvPr id="23" name="Straight Arrow Connector 22">
+            <a:extLst>
+              <a:ext uri="{FF2B5EF4-FFF2-40B4-BE49-F238E27FC236}">
+                <a16:creationId xmlns:a16="http://schemas.microsoft.com/office/drawing/2014/main" id="{2DA7BF33-5BF0-3842-9B00-02D3014066E8}"/>
+              </a:ext>
+            </a:extLst>
+          </p:cNvPr>
+          <p:cNvCxnSpPr>
+            <a:cxnSpLocks/>
+            <a:endCxn id="21" idx="1"/>
+          </p:cNvCxnSpPr>
+          <p:nvPr/>
+        </p:nvCxnSpPr>
+        <p:spPr>
+          <a:xfrm>
+            <a:off x="1760399" y="2039530"/>
+            <a:ext cx="4515709" cy="0"/>
+          </a:xfrm>
+          <a:prstGeom prst="straightConnector1">
+            <a:avLst/>
+          </a:prstGeom>
+          <a:ln w="38100">
+            <a:solidFill>
+              <a:schemeClr val="tx1"/>
+            </a:solidFill>
+            <a:tailEnd type="triangle"/>
+          </a:ln>
+        </p:spPr>
+        <p:style>
+          <a:lnRef idx="1">
+            <a:schemeClr val="accent1"/>
+          </a:lnRef>
+          <a:fillRef idx="0">
+            <a:schemeClr val="accent1"/>
+          </a:fillRef>
+          <a:effectRef idx="0">
+            <a:schemeClr val="accent1"/>
+          </a:effectRef>
+          <a:fontRef idx="minor">
+            <a:schemeClr val="tx1"/>
+          </a:fontRef>
+        </p:style>
+      </p:cxnSp>
+      <p:sp>
+        <p:nvSpPr>
+          <p:cNvPr id="26" name="TextBox 25">
+            <a:extLst>
+              <a:ext uri="{FF2B5EF4-FFF2-40B4-BE49-F238E27FC236}">
+                <a16:creationId xmlns:a16="http://schemas.microsoft.com/office/drawing/2014/main" id="{DD6C8FC3-3D86-3140-9B05-7E8C47EAE82A}"/>
+              </a:ext>
+            </a:extLst>
+          </p:cNvPr>
+          <p:cNvSpPr txBox="1"/>
+          <p:nvPr/>
+        </p:nvSpPr>
+        <p:spPr>
+          <a:xfrm>
+            <a:off x="2850078" y="1626919"/>
+            <a:ext cx="1600118" cy="369332"/>
+          </a:xfrm>
+          <a:prstGeom prst="rect">
+            <a:avLst/>
+          </a:prstGeom>
+          <a:noFill/>
+        </p:spPr>
+        <p:txBody>
+          <a:bodyPr wrap="none" rtlCol="0">
+            <a:spAutoFit/>
+          </a:bodyPr>
+          <a:lstStyle/>
+          <a:p>
+            <a:r>
+              <a:rPr lang="en-US" dirty="0"/>
+              <a:t>‘main’ branch</a:t>
+            </a:r>
+          </a:p>
+        </p:txBody>
+      </p:sp>
+      <p:sp>
+        <p:nvSpPr>
+          <p:cNvPr id="28" name="TextBox 27">
+            <a:extLst>
+              <a:ext uri="{FF2B5EF4-FFF2-40B4-BE49-F238E27FC236}">
+                <a16:creationId xmlns:a16="http://schemas.microsoft.com/office/drawing/2014/main" id="{5C3E9EFC-D0F6-F147-B44C-29E97341B58D}"/>
+              </a:ext>
+            </a:extLst>
+          </p:cNvPr>
+          <p:cNvSpPr txBox="1"/>
+          <p:nvPr/>
+        </p:nvSpPr>
+        <p:spPr>
+          <a:xfrm>
+            <a:off x="2838203" y="724395"/>
+            <a:ext cx="3867982" cy="461665"/>
+          </a:xfrm>
+          <a:prstGeom prst="rect">
+            <a:avLst/>
+          </a:prstGeom>
+          <a:noFill/>
+        </p:spPr>
+        <p:txBody>
+          <a:bodyPr wrap="none" rtlCol="0">
+            <a:spAutoFit/>
+          </a:bodyPr>
+          <a:lstStyle/>
+          <a:p>
+            <a:r>
+              <a:rPr lang="en-US" sz="2400" b="1" u="sng" dirty="0"/>
+              <a:t>Your own version control</a:t>
+            </a:r>
+          </a:p>
+        </p:txBody>
+      </p:sp>
+    </p:spTree>
+    <p:extLst>
+      <p:ext uri="{BB962C8B-B14F-4D97-AF65-F5344CB8AC3E}">
+        <p14:creationId xmlns:p14="http://schemas.microsoft.com/office/powerpoint/2010/main" val="3611940276"/>
+      </p:ext>
+    </p:extLst>
+  </p:cSld>
+  <p:clrMapOvr>
+    <a:masterClrMapping/>
+  </p:clrMapOvr>
+</p:sld>
+</file>
+
+<file path=ppt/slides/slide12.xml><?xml version="1.0" encoding="utf-8"?>
+<p:sld xmlns:a="http://schemas.openxmlformats.org/drawingml/2006/main" xmlns:r="http://schemas.openxmlformats.org/officeDocument/2006/relationships" xmlns:p="http://schemas.openxmlformats.org/presentationml/2006/main">
+  <p:cSld>
+    <p:spTree>
+      <p:nvGrpSpPr>
+        <p:cNvPr id="1" name=""/>
+        <p:cNvGrpSpPr/>
+        <p:nvPr/>
+      </p:nvGrpSpPr>
+      <p:grpSpPr>
+        <a:xfrm>
+          <a:off x="0" y="0"/>
+          <a:ext cx="0" cy="0"/>
+          <a:chOff x="0" y="0"/>
+          <a:chExt cx="0" cy="0"/>
+        </a:xfrm>
+      </p:grpSpPr>
+      <p:pic>
+        <p:nvPicPr>
+          <p:cNvPr id="5" name="Picture 4"/>
+          <p:cNvPicPr>
+            <a:picLocks noChangeAspect="1"/>
+          </p:cNvPicPr>
+          <p:nvPr/>
+        </p:nvPicPr>
+        <p:blipFill>
+          <a:blip r:embed="rId2"/>
+          <a:stretch>
+            <a:fillRect/>
+          </a:stretch>
+        </p:blipFill>
+        <p:spPr>
+          <a:xfrm>
+            <a:off x="731517" y="1604366"/>
+            <a:ext cx="948368" cy="948368"/>
+          </a:xfrm>
+          <a:prstGeom prst="rect">
+            <a:avLst/>
+          </a:prstGeom>
+        </p:spPr>
+      </p:pic>
+      <p:sp>
+        <p:nvSpPr>
+          <p:cNvPr id="6" name="TextBox 5">
+            <a:extLst>
+              <a:ext uri="{FF2B5EF4-FFF2-40B4-BE49-F238E27FC236}">
+                <a16:creationId xmlns:a16="http://schemas.microsoft.com/office/drawing/2014/main" id="{0059E08F-C957-D447-9094-63C1D6D2D51F}"/>
+              </a:ext>
+            </a:extLst>
+          </p:cNvPr>
+          <p:cNvSpPr txBox="1"/>
+          <p:nvPr/>
+        </p:nvSpPr>
+        <p:spPr>
+          <a:xfrm>
+            <a:off x="510639" y="1235034"/>
+            <a:ext cx="1390124" cy="369332"/>
+          </a:xfrm>
+          <a:prstGeom prst="rect">
+            <a:avLst/>
+          </a:prstGeom>
+          <a:noFill/>
+        </p:spPr>
+        <p:txBody>
+          <a:bodyPr wrap="none" rtlCol="0">
+            <a:spAutoFit/>
+          </a:bodyPr>
+          <a:lstStyle/>
+          <a:p>
+            <a:r>
+              <a:rPr lang="en-US" dirty="0" err="1"/>
+              <a:t>Github</a:t>
+            </a:r>
+            <a:r>
+              <a:rPr lang="en-US" dirty="0"/>
+              <a:t> repo</a:t>
+            </a:r>
+          </a:p>
+        </p:txBody>
+      </p:sp>
+      <p:cxnSp>
+        <p:nvCxnSpPr>
+          <p:cNvPr id="8" name="Straight Arrow Connector 7">
+            <a:extLst>
+              <a:ext uri="{FF2B5EF4-FFF2-40B4-BE49-F238E27FC236}">
+                <a16:creationId xmlns:a16="http://schemas.microsoft.com/office/drawing/2014/main" id="{07B195D8-FDA5-A545-AB19-8BEB340B1952}"/>
+              </a:ext>
+            </a:extLst>
+          </p:cNvPr>
+          <p:cNvCxnSpPr/>
+          <p:nvPr/>
+        </p:nvCxnSpPr>
+        <p:spPr>
+          <a:xfrm>
+            <a:off x="1389413" y="2552734"/>
+            <a:ext cx="629392" cy="876266"/>
+          </a:xfrm>
+          <a:prstGeom prst="straightConnector1">
+            <a:avLst/>
+          </a:prstGeom>
+          <a:ln w="38100">
+            <a:solidFill>
+              <a:schemeClr val="tx1"/>
+            </a:solidFill>
+            <a:tailEnd type="triangle"/>
+          </a:ln>
+        </p:spPr>
+        <p:style>
+          <a:lnRef idx="1">
+            <a:schemeClr val="accent1"/>
+          </a:lnRef>
+          <a:fillRef idx="0">
+            <a:schemeClr val="accent1"/>
+          </a:fillRef>
+          <a:effectRef idx="0">
+            <a:schemeClr val="accent1"/>
+          </a:effectRef>
+          <a:fontRef idx="minor">
+            <a:schemeClr val="tx1"/>
+          </a:fontRef>
+        </p:style>
+      </p:cxnSp>
+      <p:sp>
+        <p:nvSpPr>
+          <p:cNvPr id="10" name="TextBox 9">
+            <a:extLst>
+              <a:ext uri="{FF2B5EF4-FFF2-40B4-BE49-F238E27FC236}">
+                <a16:creationId xmlns:a16="http://schemas.microsoft.com/office/drawing/2014/main" id="{3A56CDBA-8A07-1445-B074-183974FB141B}"/>
+              </a:ext>
+            </a:extLst>
+          </p:cNvPr>
+          <p:cNvSpPr txBox="1"/>
+          <p:nvPr/>
+        </p:nvSpPr>
+        <p:spPr>
+          <a:xfrm>
+            <a:off x="154379" y="3206338"/>
+            <a:ext cx="1675132" cy="1754326"/>
+          </a:xfrm>
+          <a:prstGeom prst="rect">
+            <a:avLst/>
+          </a:prstGeom>
+          <a:noFill/>
+        </p:spPr>
+        <p:txBody>
+          <a:bodyPr wrap="square" rtlCol="0">
+            <a:spAutoFit/>
+          </a:bodyPr>
+          <a:lstStyle/>
+          <a:p>
+            <a:r>
+              <a:rPr lang="en-US" dirty="0"/>
+              <a:t>Clone to local machine </a:t>
+            </a:r>
+          </a:p>
+          <a:p>
+            <a:r>
+              <a:rPr lang="en-US" dirty="0"/>
+              <a:t>(or ‘pull’ most recent version)</a:t>
+            </a:r>
+          </a:p>
+          <a:p>
+            <a:endParaRPr lang="en-US" dirty="0"/>
+          </a:p>
+        </p:txBody>
+      </p:sp>
+      <p:pic>
+        <p:nvPicPr>
+          <p:cNvPr id="12" name="Graphic 11" descr="Internet with solid fill">
+            <a:extLst>
+              <a:ext uri="{FF2B5EF4-FFF2-40B4-BE49-F238E27FC236}">
+                <a16:creationId xmlns:a16="http://schemas.microsoft.com/office/drawing/2014/main" id="{9FAD5296-222E-084F-87F8-5557B2C9A7B4}"/>
+              </a:ext>
+            </a:extLst>
+          </p:cNvPr>
+          <p:cNvPicPr>
+            <a:picLocks noChangeAspect="1"/>
+          </p:cNvPicPr>
+          <p:nvPr/>
+        </p:nvPicPr>
+        <p:blipFill>
+          <a:blip r:embed="rId3">
+            <a:extLst>
+              <a:ext uri="{28A0092B-C50C-407E-A947-70E740481C1C}">
+                <a14:useLocalDpi xmlns:a14="http://schemas.microsoft.com/office/drawing/2010/main" val="0"/>
+              </a:ext>
+              <a:ext uri="{96DAC541-7B7A-43D3-8B79-37D633B846F1}">
+                <asvg:svgBlip xmlns:asvg="http://schemas.microsoft.com/office/drawing/2016/SVG/main" r:embed="rId4"/>
+              </a:ext>
+            </a:extLst>
+          </a:blip>
+          <a:stretch>
+            <a:fillRect/>
+          </a:stretch>
+        </p:blipFill>
+        <p:spPr>
+          <a:xfrm>
+            <a:off x="1894825" y="3426031"/>
+            <a:ext cx="914400" cy="914400"/>
+          </a:xfrm>
+          <a:prstGeom prst="rect">
+            <a:avLst/>
+          </a:prstGeom>
+        </p:spPr>
+      </p:pic>
+      <p:cxnSp>
+        <p:nvCxnSpPr>
+          <p:cNvPr id="13" name="Straight Arrow Connector 12">
+            <a:extLst>
+              <a:ext uri="{FF2B5EF4-FFF2-40B4-BE49-F238E27FC236}">
+                <a16:creationId xmlns:a16="http://schemas.microsoft.com/office/drawing/2014/main" id="{46E60B99-7F21-0949-9DA6-8686D57205CE}"/>
+              </a:ext>
+            </a:extLst>
+          </p:cNvPr>
+          <p:cNvCxnSpPr>
+            <a:cxnSpLocks/>
+          </p:cNvCxnSpPr>
+          <p:nvPr/>
+        </p:nvCxnSpPr>
+        <p:spPr>
+          <a:xfrm flipV="1">
+            <a:off x="3002478" y="3902298"/>
+            <a:ext cx="1047008" cy="1"/>
+          </a:xfrm>
+          <a:prstGeom prst="straightConnector1">
+            <a:avLst/>
+          </a:prstGeom>
+          <a:ln w="38100">
+            <a:solidFill>
+              <a:schemeClr val="tx1"/>
+            </a:solidFill>
+            <a:tailEnd type="triangle"/>
+          </a:ln>
+        </p:spPr>
+        <p:style>
+          <a:lnRef idx="1">
+            <a:schemeClr val="accent1"/>
+          </a:lnRef>
+          <a:fillRef idx="0">
+            <a:schemeClr val="accent1"/>
+          </a:fillRef>
+          <a:effectRef idx="0">
+            <a:schemeClr val="accent1"/>
+          </a:effectRef>
+          <a:fontRef idx="minor">
+            <a:schemeClr val="tx1"/>
+          </a:fontRef>
+        </p:style>
+      </p:cxnSp>
+      <p:pic>
+        <p:nvPicPr>
+          <p:cNvPr id="15" name="Graphic 14" descr="Internet with solid fill">
+            <a:extLst>
+              <a:ext uri="{FF2B5EF4-FFF2-40B4-BE49-F238E27FC236}">
+                <a16:creationId xmlns:a16="http://schemas.microsoft.com/office/drawing/2014/main" id="{A4BB6F85-BD07-DA4A-9749-DE711945E782}"/>
+              </a:ext>
+            </a:extLst>
+          </p:cNvPr>
+          <p:cNvPicPr>
+            <a:picLocks noChangeAspect="1"/>
+          </p:cNvPicPr>
+          <p:nvPr/>
+        </p:nvPicPr>
+        <p:blipFill>
+          <a:blip r:embed="rId3">
+            <a:extLst>
+              <a:ext uri="{28A0092B-C50C-407E-A947-70E740481C1C}">
+                <a14:useLocalDpi xmlns:a14="http://schemas.microsoft.com/office/drawing/2010/main" val="0"/>
+              </a:ext>
+              <a:ext uri="{96DAC541-7B7A-43D3-8B79-37D633B846F1}">
+                <asvg:svgBlip xmlns:asvg="http://schemas.microsoft.com/office/drawing/2016/SVG/main" r:embed="rId4"/>
+              </a:ext>
+            </a:extLst>
+          </a:blip>
+          <a:stretch>
+            <a:fillRect/>
+          </a:stretch>
+        </p:blipFill>
+        <p:spPr>
+          <a:xfrm>
+            <a:off x="4203865" y="3470587"/>
+            <a:ext cx="914400" cy="914400"/>
+          </a:xfrm>
+          <a:prstGeom prst="rect">
+            <a:avLst/>
+          </a:prstGeom>
+        </p:spPr>
+      </p:pic>
+      <p:sp>
+        <p:nvSpPr>
+          <p:cNvPr id="17" name="TextBox 16">
+            <a:extLst>
+              <a:ext uri="{FF2B5EF4-FFF2-40B4-BE49-F238E27FC236}">
+                <a16:creationId xmlns:a16="http://schemas.microsoft.com/office/drawing/2014/main" id="{43BE9E1A-72B8-7C43-BA70-4CBAC9DB79DA}"/>
+              </a:ext>
+            </a:extLst>
+          </p:cNvPr>
+          <p:cNvSpPr txBox="1"/>
+          <p:nvPr/>
+        </p:nvSpPr>
+        <p:spPr>
+          <a:xfrm>
+            <a:off x="3040084" y="4286992"/>
+            <a:ext cx="1270660" cy="1200329"/>
+          </a:xfrm>
+          <a:prstGeom prst="rect">
+            <a:avLst/>
+          </a:prstGeom>
+          <a:noFill/>
+        </p:spPr>
+        <p:txBody>
+          <a:bodyPr wrap="square" rtlCol="0">
+            <a:spAutoFit/>
+          </a:bodyPr>
+          <a:lstStyle/>
+          <a:p>
+            <a:r>
+              <a:rPr lang="en-US" dirty="0"/>
+              <a:t>Edit project, commit changes</a:t>
+            </a:r>
+          </a:p>
+        </p:txBody>
+      </p:sp>
+      <p:sp>
+        <p:nvSpPr>
+          <p:cNvPr id="18" name="TextBox 17">
+            <a:extLst>
+              <a:ext uri="{FF2B5EF4-FFF2-40B4-BE49-F238E27FC236}">
+                <a16:creationId xmlns:a16="http://schemas.microsoft.com/office/drawing/2014/main" id="{643C9744-4378-C94E-8E26-D865CD746CAD}"/>
+              </a:ext>
+            </a:extLst>
+          </p:cNvPr>
+          <p:cNvSpPr txBox="1"/>
+          <p:nvPr/>
+        </p:nvSpPr>
+        <p:spPr>
+          <a:xfrm>
+            <a:off x="5834996" y="3274185"/>
+            <a:ext cx="1270660" cy="1754326"/>
+          </a:xfrm>
+          <a:prstGeom prst="rect">
+            <a:avLst/>
+          </a:prstGeom>
+          <a:noFill/>
+        </p:spPr>
+        <p:txBody>
+          <a:bodyPr wrap="square" rtlCol="0">
+            <a:spAutoFit/>
+          </a:bodyPr>
+          <a:lstStyle/>
+          <a:p>
+            <a:r>
+              <a:rPr lang="en-US" dirty="0"/>
+              <a:t>‘push’ commits to the main version in the cloud</a:t>
+            </a:r>
+          </a:p>
+        </p:txBody>
+      </p:sp>
+      <p:cxnSp>
+        <p:nvCxnSpPr>
+          <p:cNvPr id="19" name="Straight Arrow Connector 18">
+            <a:extLst>
+              <a:ext uri="{FF2B5EF4-FFF2-40B4-BE49-F238E27FC236}">
+                <a16:creationId xmlns:a16="http://schemas.microsoft.com/office/drawing/2014/main" id="{42B75715-0AA4-7C40-8CB4-F8D0BDFC53FD}"/>
+              </a:ext>
+            </a:extLst>
+          </p:cNvPr>
+          <p:cNvCxnSpPr>
+            <a:cxnSpLocks/>
+          </p:cNvCxnSpPr>
+          <p:nvPr/>
+        </p:nvCxnSpPr>
+        <p:spPr>
+          <a:xfrm flipV="1">
+            <a:off x="5118265" y="2220686"/>
+            <a:ext cx="748145" cy="1653664"/>
+          </a:xfrm>
+          <a:prstGeom prst="straightConnector1">
+            <a:avLst/>
+          </a:prstGeom>
+          <a:ln w="38100">
+            <a:solidFill>
+              <a:schemeClr val="tx1"/>
+            </a:solidFill>
+            <a:tailEnd type="triangle"/>
+          </a:ln>
+        </p:spPr>
+        <p:style>
+          <a:lnRef idx="1">
+            <a:schemeClr val="accent1"/>
+          </a:lnRef>
+          <a:fillRef idx="0">
+            <a:schemeClr val="accent1"/>
+          </a:fillRef>
+          <a:effectRef idx="0">
+            <a:schemeClr val="accent1"/>
+          </a:effectRef>
+          <a:fontRef idx="minor">
+            <a:schemeClr val="tx1"/>
+          </a:fontRef>
+        </p:style>
+      </p:cxnSp>
+      <p:pic>
+        <p:nvPicPr>
+          <p:cNvPr id="21" name="Picture 20">
+            <a:extLst>
+              <a:ext uri="{FF2B5EF4-FFF2-40B4-BE49-F238E27FC236}">
+                <a16:creationId xmlns:a16="http://schemas.microsoft.com/office/drawing/2014/main" id="{ECB46301-31F1-FF4F-80BD-6CFB30E2263E}"/>
+              </a:ext>
+            </a:extLst>
+          </p:cNvPr>
+          <p:cNvPicPr>
+            <a:picLocks noChangeAspect="1"/>
+          </p:cNvPicPr>
+          <p:nvPr/>
+        </p:nvPicPr>
+        <p:blipFill>
+          <a:blip r:embed="rId2"/>
+          <a:stretch>
+            <a:fillRect/>
+          </a:stretch>
+        </p:blipFill>
+        <p:spPr>
+          <a:xfrm>
+            <a:off x="6276108" y="1565346"/>
+            <a:ext cx="948368" cy="948368"/>
+          </a:xfrm>
+          <a:prstGeom prst="rect">
+            <a:avLst/>
+          </a:prstGeom>
+        </p:spPr>
+      </p:pic>
+      <p:sp>
+        <p:nvSpPr>
+          <p:cNvPr id="22" name="TextBox 21">
+            <a:extLst>
+              <a:ext uri="{FF2B5EF4-FFF2-40B4-BE49-F238E27FC236}">
+                <a16:creationId xmlns:a16="http://schemas.microsoft.com/office/drawing/2014/main" id="{6E33D812-20EC-F44E-B8B1-4941DD777B62}"/>
+              </a:ext>
+            </a:extLst>
+          </p:cNvPr>
+          <p:cNvSpPr txBox="1"/>
+          <p:nvPr/>
+        </p:nvSpPr>
+        <p:spPr>
+          <a:xfrm>
+            <a:off x="3004457" y="3230088"/>
+            <a:ext cx="761747" cy="369332"/>
+          </a:xfrm>
+          <a:prstGeom prst="rect">
+            <a:avLst/>
+          </a:prstGeom>
+          <a:noFill/>
+        </p:spPr>
+        <p:txBody>
+          <a:bodyPr wrap="none" rtlCol="0">
+            <a:spAutoFit/>
+          </a:bodyPr>
+          <a:lstStyle/>
+          <a:p>
+            <a:r>
+              <a:rPr lang="en-US" dirty="0"/>
+              <a:t>‘local’</a:t>
+            </a:r>
+          </a:p>
+        </p:txBody>
+      </p:sp>
+      <p:cxnSp>
+        <p:nvCxnSpPr>
+          <p:cNvPr id="23" name="Straight Arrow Connector 22">
+            <a:extLst>
+              <a:ext uri="{FF2B5EF4-FFF2-40B4-BE49-F238E27FC236}">
+                <a16:creationId xmlns:a16="http://schemas.microsoft.com/office/drawing/2014/main" id="{2DA7BF33-5BF0-3842-9B00-02D3014066E8}"/>
+              </a:ext>
+            </a:extLst>
+          </p:cNvPr>
+          <p:cNvCxnSpPr>
+            <a:cxnSpLocks/>
+            <a:endCxn id="21" idx="1"/>
+          </p:cNvCxnSpPr>
+          <p:nvPr/>
+        </p:nvCxnSpPr>
+        <p:spPr>
+          <a:xfrm>
+            <a:off x="1760399" y="2039530"/>
+            <a:ext cx="4515709" cy="0"/>
+          </a:xfrm>
+          <a:prstGeom prst="straightConnector1">
+            <a:avLst/>
+          </a:prstGeom>
+          <a:ln w="38100">
+            <a:solidFill>
+              <a:schemeClr val="tx1"/>
+            </a:solidFill>
+            <a:tailEnd type="triangle"/>
+          </a:ln>
+        </p:spPr>
+        <p:style>
+          <a:lnRef idx="1">
+            <a:schemeClr val="accent1"/>
+          </a:lnRef>
+          <a:fillRef idx="0">
+            <a:schemeClr val="accent1"/>
+          </a:fillRef>
+          <a:effectRef idx="0">
+            <a:schemeClr val="accent1"/>
+          </a:effectRef>
+          <a:fontRef idx="minor">
+            <a:schemeClr val="tx1"/>
+          </a:fontRef>
+        </p:style>
+      </p:cxnSp>
+      <p:sp>
+        <p:nvSpPr>
+          <p:cNvPr id="26" name="TextBox 25">
+            <a:extLst>
+              <a:ext uri="{FF2B5EF4-FFF2-40B4-BE49-F238E27FC236}">
+                <a16:creationId xmlns:a16="http://schemas.microsoft.com/office/drawing/2014/main" id="{DD6C8FC3-3D86-3140-9B05-7E8C47EAE82A}"/>
+              </a:ext>
+            </a:extLst>
+          </p:cNvPr>
+          <p:cNvSpPr txBox="1"/>
+          <p:nvPr/>
+        </p:nvSpPr>
+        <p:spPr>
+          <a:xfrm>
+            <a:off x="2850078" y="1626919"/>
+            <a:ext cx="1600118" cy="369332"/>
+          </a:xfrm>
+          <a:prstGeom prst="rect">
+            <a:avLst/>
+          </a:prstGeom>
+          <a:noFill/>
+        </p:spPr>
+        <p:txBody>
+          <a:bodyPr wrap="none" rtlCol="0">
+            <a:spAutoFit/>
+          </a:bodyPr>
+          <a:lstStyle/>
+          <a:p>
+            <a:r>
+              <a:rPr lang="en-US" dirty="0"/>
+              <a:t>‘main’ branch</a:t>
+            </a:r>
+          </a:p>
+        </p:txBody>
+      </p:sp>
+      <p:sp>
+        <p:nvSpPr>
+          <p:cNvPr id="28" name="TextBox 27">
+            <a:extLst>
+              <a:ext uri="{FF2B5EF4-FFF2-40B4-BE49-F238E27FC236}">
+                <a16:creationId xmlns:a16="http://schemas.microsoft.com/office/drawing/2014/main" id="{5C3E9EFC-D0F6-F147-B44C-29E97341B58D}"/>
+              </a:ext>
+            </a:extLst>
+          </p:cNvPr>
+          <p:cNvSpPr txBox="1"/>
+          <p:nvPr/>
+        </p:nvSpPr>
+        <p:spPr>
+          <a:xfrm>
+            <a:off x="2838203" y="724395"/>
+            <a:ext cx="3867982" cy="461665"/>
+          </a:xfrm>
+          <a:prstGeom prst="rect">
+            <a:avLst/>
+          </a:prstGeom>
+          <a:noFill/>
+        </p:spPr>
+        <p:txBody>
+          <a:bodyPr wrap="none" rtlCol="0">
+            <a:spAutoFit/>
+          </a:bodyPr>
+          <a:lstStyle/>
+          <a:p>
+            <a:r>
+              <a:rPr lang="en-US" sz="2400" b="1" u="sng" dirty="0"/>
+              <a:t>Your own version control</a:t>
+            </a:r>
+          </a:p>
+        </p:txBody>
+      </p:sp>
+      <p:pic>
+        <p:nvPicPr>
+          <p:cNvPr id="3" name="Picture 2" descr="Graphical user interface, application, table&#10;&#10;Description automatically generated">
+            <a:extLst>
+              <a:ext uri="{FF2B5EF4-FFF2-40B4-BE49-F238E27FC236}">
+                <a16:creationId xmlns:a16="http://schemas.microsoft.com/office/drawing/2014/main" id="{AFBDD119-36AB-4240-8372-D6670BC3000E}"/>
+              </a:ext>
+            </a:extLst>
+          </p:cNvPr>
+          <p:cNvPicPr>
+            <a:picLocks noChangeAspect="1"/>
+          </p:cNvPicPr>
+          <p:nvPr/>
+        </p:nvPicPr>
+        <p:blipFill>
+          <a:blip r:embed="rId5">
+            <a:extLst>
+              <a:ext uri="{28A0092B-C50C-407E-A947-70E740481C1C}">
+                <a14:useLocalDpi xmlns:a14="http://schemas.microsoft.com/office/drawing/2010/main" val="0"/>
+              </a:ext>
+            </a:extLst>
+          </a:blip>
+          <a:stretch>
+            <a:fillRect/>
+          </a:stretch>
+        </p:blipFill>
+        <p:spPr>
+          <a:xfrm>
+            <a:off x="-8362" y="2452288"/>
+            <a:ext cx="9338853" cy="3998286"/>
+          </a:xfrm>
+          <a:prstGeom prst="rect">
+            <a:avLst/>
+          </a:prstGeom>
+        </p:spPr>
+      </p:pic>
+    </p:spTree>
+    <p:extLst>
+      <p:ext uri="{BB962C8B-B14F-4D97-AF65-F5344CB8AC3E}">
+        <p14:creationId xmlns:p14="http://schemas.microsoft.com/office/powerpoint/2010/main" val="3627221522"/>
+      </p:ext>
+    </p:extLst>
+  </p:cSld>
+  <p:clrMapOvr>
+    <a:masterClrMapping/>
+  </p:clrMapOvr>
+</p:sld>
+</file>
+
+<file path=ppt/slides/slide13.xml><?xml version="1.0" encoding="utf-8"?>
+<p:sld xmlns:a="http://schemas.openxmlformats.org/drawingml/2006/main" xmlns:r="http://schemas.openxmlformats.org/officeDocument/2006/relationships" xmlns:p="http://schemas.openxmlformats.org/presentationml/2006/main">
+  <p:cSld>
+    <p:spTree>
+      <p:nvGrpSpPr>
+        <p:cNvPr id="1" name=""/>
+        <p:cNvGrpSpPr/>
+        <p:nvPr/>
+      </p:nvGrpSpPr>
+      <p:grpSpPr>
+        <a:xfrm>
+          <a:off x="0" y="0"/>
+          <a:ext cx="0" cy="0"/>
+          <a:chOff x="0" y="0"/>
+          <a:chExt cx="0" cy="0"/>
+        </a:xfrm>
+      </p:grpSpPr>
+      <p:pic>
+        <p:nvPicPr>
+          <p:cNvPr id="5" name="Picture 4"/>
+          <p:cNvPicPr>
+            <a:picLocks noChangeAspect="1"/>
+          </p:cNvPicPr>
+          <p:nvPr/>
+        </p:nvPicPr>
+        <p:blipFill>
+          <a:blip r:embed="rId2"/>
+          <a:stretch>
+            <a:fillRect/>
+          </a:stretch>
+        </p:blipFill>
+        <p:spPr>
+          <a:xfrm>
+            <a:off x="731517" y="1604366"/>
+            <a:ext cx="948368" cy="948368"/>
+          </a:xfrm>
+          <a:prstGeom prst="rect">
+            <a:avLst/>
+          </a:prstGeom>
+        </p:spPr>
+      </p:pic>
+      <p:sp>
+        <p:nvSpPr>
+          <p:cNvPr id="6" name="TextBox 5">
+            <a:extLst>
+              <a:ext uri="{FF2B5EF4-FFF2-40B4-BE49-F238E27FC236}">
+                <a16:creationId xmlns:a16="http://schemas.microsoft.com/office/drawing/2014/main" id="{0059E08F-C957-D447-9094-63C1D6D2D51F}"/>
+              </a:ext>
+            </a:extLst>
+          </p:cNvPr>
+          <p:cNvSpPr txBox="1"/>
+          <p:nvPr/>
+        </p:nvSpPr>
+        <p:spPr>
+          <a:xfrm>
+            <a:off x="510639" y="1235034"/>
+            <a:ext cx="1390124" cy="369332"/>
+          </a:xfrm>
+          <a:prstGeom prst="rect">
+            <a:avLst/>
+          </a:prstGeom>
+          <a:noFill/>
+        </p:spPr>
+        <p:txBody>
+          <a:bodyPr wrap="none" rtlCol="0">
+            <a:spAutoFit/>
+          </a:bodyPr>
+          <a:lstStyle/>
+          <a:p>
+            <a:r>
+              <a:rPr lang="en-US" dirty="0" err="1"/>
+              <a:t>Github</a:t>
+            </a:r>
+            <a:r>
+              <a:rPr lang="en-US" dirty="0"/>
+              <a:t> repo</a:t>
+            </a:r>
+          </a:p>
+        </p:txBody>
+      </p:sp>
+      <p:cxnSp>
+        <p:nvCxnSpPr>
+          <p:cNvPr id="8" name="Straight Arrow Connector 7">
+            <a:extLst>
+              <a:ext uri="{FF2B5EF4-FFF2-40B4-BE49-F238E27FC236}">
+                <a16:creationId xmlns:a16="http://schemas.microsoft.com/office/drawing/2014/main" id="{07B195D8-FDA5-A545-AB19-8BEB340B1952}"/>
+              </a:ext>
+            </a:extLst>
+          </p:cNvPr>
+          <p:cNvCxnSpPr/>
+          <p:nvPr/>
+        </p:nvCxnSpPr>
+        <p:spPr>
+          <a:xfrm>
+            <a:off x="1389413" y="2552734"/>
+            <a:ext cx="629392" cy="876266"/>
+          </a:xfrm>
+          <a:prstGeom prst="straightConnector1">
+            <a:avLst/>
+          </a:prstGeom>
+          <a:ln w="38100">
+            <a:solidFill>
+              <a:schemeClr val="tx1"/>
+            </a:solidFill>
+            <a:tailEnd type="triangle"/>
+          </a:ln>
+        </p:spPr>
+        <p:style>
+          <a:lnRef idx="1">
+            <a:schemeClr val="accent1"/>
+          </a:lnRef>
+          <a:fillRef idx="0">
+            <a:schemeClr val="accent1"/>
+          </a:fillRef>
+          <a:effectRef idx="0">
+            <a:schemeClr val="accent1"/>
+          </a:effectRef>
+          <a:fontRef idx="minor">
+            <a:schemeClr val="tx1"/>
+          </a:fontRef>
+        </p:style>
+      </p:cxnSp>
+      <p:sp>
+        <p:nvSpPr>
+          <p:cNvPr id="10" name="TextBox 9">
+            <a:extLst>
+              <a:ext uri="{FF2B5EF4-FFF2-40B4-BE49-F238E27FC236}">
+                <a16:creationId xmlns:a16="http://schemas.microsoft.com/office/drawing/2014/main" id="{3A56CDBA-8A07-1445-B074-183974FB141B}"/>
+              </a:ext>
+            </a:extLst>
+          </p:cNvPr>
+          <p:cNvSpPr txBox="1"/>
+          <p:nvPr/>
+        </p:nvSpPr>
+        <p:spPr>
+          <a:xfrm>
+            <a:off x="154379" y="3206338"/>
+            <a:ext cx="1675132" cy="1200329"/>
+          </a:xfrm>
+          <a:prstGeom prst="rect">
+            <a:avLst/>
+          </a:prstGeom>
+          <a:noFill/>
+        </p:spPr>
+        <p:txBody>
+          <a:bodyPr wrap="square" rtlCol="0">
+            <a:spAutoFit/>
+          </a:bodyPr>
+          <a:lstStyle/>
+          <a:p>
+            <a:r>
+              <a:rPr lang="en-US" dirty="0"/>
+              <a:t>‘fork’ main branch to your </a:t>
+            </a:r>
+            <a:r>
+              <a:rPr lang="en-US" dirty="0" err="1"/>
+              <a:t>github</a:t>
+            </a:r>
+            <a:r>
+              <a:rPr lang="en-US" dirty="0"/>
+              <a:t> account</a:t>
+            </a:r>
+          </a:p>
+          <a:p>
+            <a:endParaRPr lang="en-US" dirty="0"/>
+          </a:p>
+        </p:txBody>
+      </p:sp>
+      <p:pic>
+        <p:nvPicPr>
+          <p:cNvPr id="12" name="Graphic 11" descr="Internet with solid fill">
+            <a:extLst>
+              <a:ext uri="{FF2B5EF4-FFF2-40B4-BE49-F238E27FC236}">
+                <a16:creationId xmlns:a16="http://schemas.microsoft.com/office/drawing/2014/main" id="{9FAD5296-222E-084F-87F8-5557B2C9A7B4}"/>
+              </a:ext>
+            </a:extLst>
+          </p:cNvPr>
+          <p:cNvPicPr>
+            <a:picLocks noChangeAspect="1"/>
+          </p:cNvPicPr>
+          <p:nvPr/>
+        </p:nvPicPr>
+        <p:blipFill>
+          <a:blip r:embed="rId3">
+            <a:extLst>
+              <a:ext uri="{28A0092B-C50C-407E-A947-70E740481C1C}">
+                <a14:useLocalDpi xmlns:a14="http://schemas.microsoft.com/office/drawing/2010/main" val="0"/>
+              </a:ext>
+              <a:ext uri="{96DAC541-7B7A-43D3-8B79-37D633B846F1}">
+                <asvg:svgBlip xmlns:asvg="http://schemas.microsoft.com/office/drawing/2016/SVG/main" r:embed="rId4"/>
+              </a:ext>
+            </a:extLst>
+          </a:blip>
+          <a:stretch>
+            <a:fillRect/>
+          </a:stretch>
+        </p:blipFill>
+        <p:spPr>
+          <a:xfrm>
+            <a:off x="2812681" y="4914465"/>
+            <a:ext cx="914400" cy="914400"/>
+          </a:xfrm>
+          <a:prstGeom prst="rect">
+            <a:avLst/>
+          </a:prstGeom>
+        </p:spPr>
+      </p:pic>
+      <p:cxnSp>
+        <p:nvCxnSpPr>
+          <p:cNvPr id="13" name="Straight Arrow Connector 12">
+            <a:extLst>
+              <a:ext uri="{FF2B5EF4-FFF2-40B4-BE49-F238E27FC236}">
+                <a16:creationId xmlns:a16="http://schemas.microsoft.com/office/drawing/2014/main" id="{46E60B99-7F21-0949-9DA6-8686D57205CE}"/>
+              </a:ext>
+            </a:extLst>
+          </p:cNvPr>
+          <p:cNvCxnSpPr>
+            <a:cxnSpLocks/>
+          </p:cNvCxnSpPr>
+          <p:nvPr/>
+        </p:nvCxnSpPr>
+        <p:spPr>
+          <a:xfrm flipV="1">
+            <a:off x="3002478" y="3902300"/>
+            <a:ext cx="2410194" cy="1"/>
+          </a:xfrm>
+          <a:prstGeom prst="straightConnector1">
+            <a:avLst/>
+          </a:prstGeom>
+          <a:ln w="38100">
+            <a:solidFill>
+              <a:schemeClr val="tx1"/>
+            </a:solidFill>
+            <a:tailEnd type="triangle"/>
+          </a:ln>
+        </p:spPr>
+        <p:style>
+          <a:lnRef idx="1">
+            <a:schemeClr val="accent1"/>
+          </a:lnRef>
+          <a:fillRef idx="0">
+            <a:schemeClr val="accent1"/>
+          </a:fillRef>
+          <a:effectRef idx="0">
+            <a:schemeClr val="accent1"/>
+          </a:effectRef>
+          <a:fontRef idx="minor">
+            <a:schemeClr val="tx1"/>
+          </a:fontRef>
+        </p:style>
+      </p:cxnSp>
+      <p:sp>
+        <p:nvSpPr>
+          <p:cNvPr id="17" name="TextBox 16">
+            <a:extLst>
+              <a:ext uri="{FF2B5EF4-FFF2-40B4-BE49-F238E27FC236}">
+                <a16:creationId xmlns:a16="http://schemas.microsoft.com/office/drawing/2014/main" id="{43BE9E1A-72B8-7C43-BA70-4CBAC9DB79DA}"/>
+              </a:ext>
+            </a:extLst>
+          </p:cNvPr>
+          <p:cNvSpPr txBox="1"/>
+          <p:nvPr/>
+        </p:nvSpPr>
+        <p:spPr>
+          <a:xfrm>
+            <a:off x="1533847" y="4483857"/>
+            <a:ext cx="1270660" cy="923330"/>
+          </a:xfrm>
+          <a:prstGeom prst="rect">
+            <a:avLst/>
+          </a:prstGeom>
+          <a:noFill/>
+        </p:spPr>
+        <p:txBody>
+          <a:bodyPr wrap="square" rtlCol="0">
+            <a:spAutoFit/>
+          </a:bodyPr>
+          <a:lstStyle/>
+          <a:p>
+            <a:r>
+              <a:rPr lang="en-US" dirty="0"/>
+              <a:t>Clone/pull to local machine</a:t>
+            </a:r>
+          </a:p>
+        </p:txBody>
+      </p:sp>
+      <p:sp>
+        <p:nvSpPr>
+          <p:cNvPr id="18" name="TextBox 17">
+            <a:extLst>
+              <a:ext uri="{FF2B5EF4-FFF2-40B4-BE49-F238E27FC236}">
+                <a16:creationId xmlns:a16="http://schemas.microsoft.com/office/drawing/2014/main" id="{643C9744-4378-C94E-8E26-D865CD746CAD}"/>
+              </a:ext>
+            </a:extLst>
+          </p:cNvPr>
+          <p:cNvSpPr txBox="1"/>
+          <p:nvPr/>
+        </p:nvSpPr>
+        <p:spPr>
+          <a:xfrm>
+            <a:off x="5893243" y="4528138"/>
+            <a:ext cx="1270660" cy="1200329"/>
+          </a:xfrm>
+          <a:prstGeom prst="rect">
+            <a:avLst/>
+          </a:prstGeom>
+          <a:noFill/>
+        </p:spPr>
+        <p:txBody>
+          <a:bodyPr wrap="square" rtlCol="0">
+            <a:spAutoFit/>
+          </a:bodyPr>
+          <a:lstStyle/>
+          <a:p>
+            <a:r>
+              <a:rPr lang="en-US" dirty="0"/>
+              <a:t>‘push’ commits to your branch</a:t>
+            </a:r>
+          </a:p>
+        </p:txBody>
+      </p:sp>
+      <p:cxnSp>
+        <p:nvCxnSpPr>
+          <p:cNvPr id="19" name="Straight Arrow Connector 18">
+            <a:extLst>
+              <a:ext uri="{FF2B5EF4-FFF2-40B4-BE49-F238E27FC236}">
+                <a16:creationId xmlns:a16="http://schemas.microsoft.com/office/drawing/2014/main" id="{42B75715-0AA4-7C40-8CB4-F8D0BDFC53FD}"/>
+              </a:ext>
+            </a:extLst>
+          </p:cNvPr>
+          <p:cNvCxnSpPr>
+            <a:cxnSpLocks/>
+          </p:cNvCxnSpPr>
+          <p:nvPr/>
+        </p:nvCxnSpPr>
+        <p:spPr>
+          <a:xfrm flipV="1">
+            <a:off x="6056416" y="2190634"/>
+            <a:ext cx="939808" cy="1168368"/>
+          </a:xfrm>
+          <a:prstGeom prst="straightConnector1">
+            <a:avLst/>
+          </a:prstGeom>
+          <a:ln w="38100">
+            <a:solidFill>
+              <a:schemeClr val="tx1"/>
+            </a:solidFill>
+            <a:tailEnd type="triangle"/>
+          </a:ln>
+        </p:spPr>
+        <p:style>
+          <a:lnRef idx="1">
+            <a:schemeClr val="accent1"/>
+          </a:lnRef>
+          <a:fillRef idx="0">
+            <a:schemeClr val="accent1"/>
+          </a:fillRef>
+          <a:effectRef idx="0">
+            <a:schemeClr val="accent1"/>
+          </a:effectRef>
+          <a:fontRef idx="minor">
+            <a:schemeClr val="tx1"/>
+          </a:fontRef>
+        </p:style>
+      </p:cxnSp>
+      <p:pic>
+        <p:nvPicPr>
+          <p:cNvPr id="21" name="Picture 20">
+            <a:extLst>
+              <a:ext uri="{FF2B5EF4-FFF2-40B4-BE49-F238E27FC236}">
+                <a16:creationId xmlns:a16="http://schemas.microsoft.com/office/drawing/2014/main" id="{ECB46301-31F1-FF4F-80BD-6CFB30E2263E}"/>
+              </a:ext>
+            </a:extLst>
+          </p:cNvPr>
+          <p:cNvPicPr>
+            <a:picLocks noChangeAspect="1"/>
+          </p:cNvPicPr>
+          <p:nvPr/>
+        </p:nvPicPr>
+        <p:blipFill>
+          <a:blip r:embed="rId2"/>
+          <a:stretch>
+            <a:fillRect/>
+          </a:stretch>
+        </p:blipFill>
+        <p:spPr>
+          <a:xfrm>
+            <a:off x="7280403" y="1604366"/>
+            <a:ext cx="948368" cy="948368"/>
+          </a:xfrm>
+          <a:prstGeom prst="rect">
+            <a:avLst/>
+          </a:prstGeom>
+        </p:spPr>
+      </p:pic>
+      <p:cxnSp>
+        <p:nvCxnSpPr>
+          <p:cNvPr id="23" name="Straight Arrow Connector 22">
+            <a:extLst>
+              <a:ext uri="{FF2B5EF4-FFF2-40B4-BE49-F238E27FC236}">
+                <a16:creationId xmlns:a16="http://schemas.microsoft.com/office/drawing/2014/main" id="{2DA7BF33-5BF0-3842-9B00-02D3014066E8}"/>
+              </a:ext>
+            </a:extLst>
+          </p:cNvPr>
+          <p:cNvCxnSpPr>
+            <a:cxnSpLocks/>
+            <a:stCxn id="5" idx="3"/>
+            <a:endCxn id="21" idx="1"/>
+          </p:cNvCxnSpPr>
+          <p:nvPr/>
+        </p:nvCxnSpPr>
+        <p:spPr>
+          <a:xfrm>
+            <a:off x="1679885" y="2078550"/>
+            <a:ext cx="5600518" cy="0"/>
+          </a:xfrm>
+          <a:prstGeom prst="straightConnector1">
+            <a:avLst/>
+          </a:prstGeom>
+          <a:ln w="38100">
+            <a:solidFill>
+              <a:schemeClr val="tx1"/>
+            </a:solidFill>
+            <a:tailEnd type="triangle"/>
+          </a:ln>
+        </p:spPr>
+        <p:style>
+          <a:lnRef idx="1">
+            <a:schemeClr val="accent1"/>
+          </a:lnRef>
+          <a:fillRef idx="0">
+            <a:schemeClr val="accent1"/>
+          </a:fillRef>
+          <a:effectRef idx="0">
+            <a:schemeClr val="accent1"/>
+          </a:effectRef>
+          <a:fontRef idx="minor">
+            <a:schemeClr val="tx1"/>
+          </a:fontRef>
+        </p:style>
+      </p:cxnSp>
+      <p:sp>
+        <p:nvSpPr>
+          <p:cNvPr id="26" name="TextBox 25">
+            <a:extLst>
+              <a:ext uri="{FF2B5EF4-FFF2-40B4-BE49-F238E27FC236}">
+                <a16:creationId xmlns:a16="http://schemas.microsoft.com/office/drawing/2014/main" id="{DD6C8FC3-3D86-3140-9B05-7E8C47EAE82A}"/>
+              </a:ext>
+            </a:extLst>
+          </p:cNvPr>
+          <p:cNvSpPr txBox="1"/>
+          <p:nvPr/>
+        </p:nvSpPr>
+        <p:spPr>
+          <a:xfrm>
+            <a:off x="2850078" y="1626919"/>
+            <a:ext cx="1548244" cy="369332"/>
+          </a:xfrm>
+          <a:prstGeom prst="rect">
+            <a:avLst/>
+          </a:prstGeom>
+          <a:noFill/>
+        </p:spPr>
+        <p:txBody>
+          <a:bodyPr wrap="none" rtlCol="0">
+            <a:spAutoFit/>
+          </a:bodyPr>
+          <a:lstStyle/>
+          <a:p>
+            <a:r>
+              <a:rPr lang="en-US" dirty="0"/>
+              <a:t>‘main’ branch</a:t>
+            </a:r>
+          </a:p>
+        </p:txBody>
+      </p:sp>
+      <p:sp>
+        <p:nvSpPr>
+          <p:cNvPr id="28" name="TextBox 27">
+            <a:extLst>
+              <a:ext uri="{FF2B5EF4-FFF2-40B4-BE49-F238E27FC236}">
+                <a16:creationId xmlns:a16="http://schemas.microsoft.com/office/drawing/2014/main" id="{5C3E9EFC-D0F6-F147-B44C-29E97341B58D}"/>
+              </a:ext>
+            </a:extLst>
+          </p:cNvPr>
+          <p:cNvSpPr txBox="1"/>
+          <p:nvPr/>
+        </p:nvSpPr>
+        <p:spPr>
+          <a:xfrm>
+            <a:off x="2838203" y="724395"/>
+            <a:ext cx="2165978" cy="461665"/>
+          </a:xfrm>
+          <a:prstGeom prst="rect">
+            <a:avLst/>
+          </a:prstGeom>
+          <a:noFill/>
+        </p:spPr>
+        <p:txBody>
+          <a:bodyPr wrap="none" rtlCol="0">
+            <a:spAutoFit/>
+          </a:bodyPr>
+          <a:lstStyle/>
+          <a:p>
+            <a:r>
+              <a:rPr lang="en-US" sz="2400" b="1" u="sng" dirty="0"/>
+              <a:t>Collaborating</a:t>
+            </a:r>
+          </a:p>
+        </p:txBody>
+      </p:sp>
+      <p:pic>
+        <p:nvPicPr>
+          <p:cNvPr id="20" name="Picture 19">
+            <a:extLst>
+              <a:ext uri="{FF2B5EF4-FFF2-40B4-BE49-F238E27FC236}">
+                <a16:creationId xmlns:a16="http://schemas.microsoft.com/office/drawing/2014/main" id="{F1C72F9B-4389-F94E-82B8-293CBF2451D0}"/>
+              </a:ext>
+            </a:extLst>
+          </p:cNvPr>
+          <p:cNvPicPr>
+            <a:picLocks noChangeAspect="1"/>
+          </p:cNvPicPr>
+          <p:nvPr/>
+        </p:nvPicPr>
+        <p:blipFill>
+          <a:blip r:embed="rId2">
+            <a:duotone>
+              <a:prstClr val="black"/>
+              <a:schemeClr val="accent4">
+                <a:tint val="45000"/>
+                <a:satMod val="400000"/>
+              </a:schemeClr>
+            </a:duotone>
+          </a:blip>
+          <a:stretch>
+            <a:fillRect/>
+          </a:stretch>
+        </p:blipFill>
+        <p:spPr>
+          <a:xfrm>
+            <a:off x="2042117" y="3125236"/>
+            <a:ext cx="948368" cy="948368"/>
+          </a:xfrm>
+          <a:prstGeom prst="rect">
+            <a:avLst/>
+          </a:prstGeom>
+        </p:spPr>
+      </p:pic>
+      <p:cxnSp>
+        <p:nvCxnSpPr>
+          <p:cNvPr id="24" name="Straight Arrow Connector 23">
+            <a:extLst>
+              <a:ext uri="{FF2B5EF4-FFF2-40B4-BE49-F238E27FC236}">
+                <a16:creationId xmlns:a16="http://schemas.microsoft.com/office/drawing/2014/main" id="{B216FF56-46E5-D84C-87CF-0B97094FF7BF}"/>
+              </a:ext>
+            </a:extLst>
+          </p:cNvPr>
+          <p:cNvCxnSpPr/>
+          <p:nvPr/>
+        </p:nvCxnSpPr>
+        <p:spPr>
+          <a:xfrm>
+            <a:off x="2653087" y="4045724"/>
+            <a:ext cx="629392" cy="876266"/>
+          </a:xfrm>
+          <a:prstGeom prst="straightConnector1">
+            <a:avLst/>
+          </a:prstGeom>
+          <a:ln w="38100">
+            <a:solidFill>
+              <a:schemeClr val="tx1"/>
+            </a:solidFill>
+            <a:tailEnd type="triangle"/>
+          </a:ln>
+        </p:spPr>
+        <p:style>
+          <a:lnRef idx="1">
+            <a:schemeClr val="accent1"/>
+          </a:lnRef>
+          <a:fillRef idx="0">
+            <a:schemeClr val="accent1"/>
+          </a:fillRef>
+          <a:effectRef idx="0">
+            <a:schemeClr val="accent1"/>
+          </a:effectRef>
+          <a:fontRef idx="minor">
+            <a:schemeClr val="tx1"/>
+          </a:fontRef>
+        </p:style>
+      </p:cxnSp>
+      <p:cxnSp>
+        <p:nvCxnSpPr>
+          <p:cNvPr id="25" name="Straight Arrow Connector 24">
+            <a:extLst>
+              <a:ext uri="{FF2B5EF4-FFF2-40B4-BE49-F238E27FC236}">
+                <a16:creationId xmlns:a16="http://schemas.microsoft.com/office/drawing/2014/main" id="{5416F72F-5232-2E4E-8E70-E5524E671361}"/>
+              </a:ext>
+            </a:extLst>
+          </p:cNvPr>
+          <p:cNvCxnSpPr>
+            <a:cxnSpLocks/>
+          </p:cNvCxnSpPr>
+          <p:nvPr/>
+        </p:nvCxnSpPr>
+        <p:spPr>
+          <a:xfrm flipV="1">
+            <a:off x="3802794" y="5337269"/>
+            <a:ext cx="1047008" cy="1"/>
+          </a:xfrm>
+          <a:prstGeom prst="straightConnector1">
+            <a:avLst/>
+          </a:prstGeom>
+          <a:ln w="38100">
+            <a:solidFill>
+              <a:schemeClr val="tx1"/>
+            </a:solidFill>
+            <a:tailEnd type="triangle"/>
+          </a:ln>
+        </p:spPr>
+        <p:style>
+          <a:lnRef idx="1">
+            <a:schemeClr val="accent1"/>
+          </a:lnRef>
+          <a:fillRef idx="0">
+            <a:schemeClr val="accent1"/>
+          </a:fillRef>
+          <a:effectRef idx="0">
+            <a:schemeClr val="accent1"/>
+          </a:effectRef>
+          <a:fontRef idx="minor">
+            <a:schemeClr val="tx1"/>
+          </a:fontRef>
+        </p:style>
+      </p:cxnSp>
+      <p:pic>
+        <p:nvPicPr>
+          <p:cNvPr id="27" name="Graphic 26" descr="Internet with solid fill">
+            <a:extLst>
+              <a:ext uri="{FF2B5EF4-FFF2-40B4-BE49-F238E27FC236}">
+                <a16:creationId xmlns:a16="http://schemas.microsoft.com/office/drawing/2014/main" id="{77FC8C8B-475C-7043-ABE2-F70E10AC1BED}"/>
+              </a:ext>
+            </a:extLst>
+          </p:cNvPr>
+          <p:cNvPicPr>
+            <a:picLocks noChangeAspect="1"/>
+          </p:cNvPicPr>
+          <p:nvPr/>
+        </p:nvPicPr>
+        <p:blipFill>
+          <a:blip r:embed="rId3">
+            <a:extLst>
+              <a:ext uri="{28A0092B-C50C-407E-A947-70E740481C1C}">
+                <a14:useLocalDpi xmlns:a14="http://schemas.microsoft.com/office/drawing/2010/main" val="0"/>
+              </a:ext>
+              <a:ext uri="{96DAC541-7B7A-43D3-8B79-37D633B846F1}">
+                <asvg:svgBlip xmlns:asvg="http://schemas.microsoft.com/office/drawing/2016/SVG/main" r:embed="rId4"/>
+              </a:ext>
+            </a:extLst>
+          </a:blip>
+          <a:stretch>
+            <a:fillRect/>
+          </a:stretch>
+        </p:blipFill>
+        <p:spPr>
+          <a:xfrm>
+            <a:off x="4820887" y="4901935"/>
+            <a:ext cx="914400" cy="914400"/>
+          </a:xfrm>
+          <a:prstGeom prst="rect">
+            <a:avLst/>
+          </a:prstGeom>
+        </p:spPr>
+      </p:pic>
+      <p:pic>
+        <p:nvPicPr>
+          <p:cNvPr id="29" name="Picture 28">
+            <a:extLst>
+              <a:ext uri="{FF2B5EF4-FFF2-40B4-BE49-F238E27FC236}">
+                <a16:creationId xmlns:a16="http://schemas.microsoft.com/office/drawing/2014/main" id="{AC198B04-B84F-A949-8996-E7DAF8C469F5}"/>
+              </a:ext>
+            </a:extLst>
+          </p:cNvPr>
+          <p:cNvPicPr>
+            <a:picLocks noChangeAspect="1"/>
+          </p:cNvPicPr>
+          <p:nvPr/>
+        </p:nvPicPr>
+        <p:blipFill>
+          <a:blip r:embed="rId2">
+            <a:duotone>
+              <a:prstClr val="black"/>
+              <a:schemeClr val="accent4">
+                <a:tint val="45000"/>
+                <a:satMod val="400000"/>
+              </a:schemeClr>
+            </a:duotone>
+          </a:blip>
+          <a:stretch>
+            <a:fillRect/>
+          </a:stretch>
+        </p:blipFill>
+        <p:spPr>
+          <a:xfrm>
+            <a:off x="5461381" y="3287322"/>
+            <a:ext cx="948368" cy="948368"/>
+          </a:xfrm>
+          <a:prstGeom prst="rect">
+            <a:avLst/>
+          </a:prstGeom>
+        </p:spPr>
+      </p:pic>
+      <p:sp>
+        <p:nvSpPr>
+          <p:cNvPr id="30" name="TextBox 29">
+            <a:extLst>
+              <a:ext uri="{FF2B5EF4-FFF2-40B4-BE49-F238E27FC236}">
+                <a16:creationId xmlns:a16="http://schemas.microsoft.com/office/drawing/2014/main" id="{D4DAD55C-6784-9C47-A9EA-8985D7BFF6E8}"/>
+              </a:ext>
+            </a:extLst>
+          </p:cNvPr>
+          <p:cNvSpPr txBox="1"/>
+          <p:nvPr/>
+        </p:nvSpPr>
+        <p:spPr>
+          <a:xfrm>
+            <a:off x="3802794" y="5407187"/>
+            <a:ext cx="1270660" cy="1200329"/>
+          </a:xfrm>
+          <a:prstGeom prst="rect">
+            <a:avLst/>
+          </a:prstGeom>
+          <a:noFill/>
+        </p:spPr>
+        <p:txBody>
+          <a:bodyPr wrap="square" rtlCol="0">
+            <a:spAutoFit/>
+          </a:bodyPr>
+          <a:lstStyle/>
+          <a:p>
+            <a:r>
+              <a:rPr lang="en-US" dirty="0"/>
+              <a:t>Edit project, commit changes</a:t>
+            </a:r>
+          </a:p>
+        </p:txBody>
+      </p:sp>
+      <p:cxnSp>
+        <p:nvCxnSpPr>
+          <p:cNvPr id="31" name="Straight Arrow Connector 30">
+            <a:extLst>
+              <a:ext uri="{FF2B5EF4-FFF2-40B4-BE49-F238E27FC236}">
+                <a16:creationId xmlns:a16="http://schemas.microsoft.com/office/drawing/2014/main" id="{8FBC44D2-FF0F-DE48-BB40-4E6AE0A781ED}"/>
+              </a:ext>
+            </a:extLst>
+          </p:cNvPr>
+          <p:cNvCxnSpPr>
+            <a:cxnSpLocks/>
+          </p:cNvCxnSpPr>
+          <p:nvPr/>
+        </p:nvCxnSpPr>
+        <p:spPr>
+          <a:xfrm flipV="1">
+            <a:off x="5148804" y="4110755"/>
+            <a:ext cx="116686" cy="834767"/>
+          </a:xfrm>
+          <a:prstGeom prst="straightConnector1">
+            <a:avLst/>
+          </a:prstGeom>
+          <a:ln w="38100">
+            <a:solidFill>
+              <a:schemeClr val="tx1"/>
+            </a:solidFill>
+            <a:tailEnd type="triangle"/>
+          </a:ln>
+        </p:spPr>
+        <p:style>
+          <a:lnRef idx="1">
+            <a:schemeClr val="accent1"/>
+          </a:lnRef>
+          <a:fillRef idx="0">
+            <a:schemeClr val="accent1"/>
+          </a:fillRef>
+          <a:effectRef idx="0">
+            <a:schemeClr val="accent1"/>
+          </a:effectRef>
+          <a:fontRef idx="minor">
+            <a:schemeClr val="tx1"/>
+          </a:fontRef>
+        </p:style>
+      </p:cxnSp>
+      <p:sp>
+        <p:nvSpPr>
+          <p:cNvPr id="14" name="TextBox 13">
+            <a:extLst>
+              <a:ext uri="{FF2B5EF4-FFF2-40B4-BE49-F238E27FC236}">
+                <a16:creationId xmlns:a16="http://schemas.microsoft.com/office/drawing/2014/main" id="{E23CC4EB-2DC2-9547-A259-C90F4F910CAF}"/>
+              </a:ext>
+            </a:extLst>
+          </p:cNvPr>
+          <p:cNvSpPr txBox="1"/>
+          <p:nvPr/>
+        </p:nvSpPr>
+        <p:spPr>
+          <a:xfrm>
+            <a:off x="6814788" y="2659387"/>
+            <a:ext cx="2137559" cy="1477328"/>
+          </a:xfrm>
+          <a:prstGeom prst="rect">
+            <a:avLst/>
+          </a:prstGeom>
+          <a:noFill/>
+        </p:spPr>
+        <p:txBody>
+          <a:bodyPr wrap="square" rtlCol="0">
+            <a:spAutoFit/>
+          </a:bodyPr>
+          <a:lstStyle/>
+          <a:p>
+            <a:r>
+              <a:rPr lang="en-US" dirty="0"/>
+              <a:t>Merge your branch with the master branch for official update using a ‘pull request’</a:t>
+            </a:r>
+          </a:p>
+        </p:txBody>
+      </p:sp>
+    </p:spTree>
+    <p:extLst>
+      <p:ext uri="{BB962C8B-B14F-4D97-AF65-F5344CB8AC3E}">
+        <p14:creationId xmlns:p14="http://schemas.microsoft.com/office/powerpoint/2010/main" val="184197735"/>
+      </p:ext>
+    </p:extLst>
+  </p:cSld>
+  <p:clrMapOvr>
+    <a:masterClrMapping/>
+  </p:clrMapOvr>
+</p:sld>
+</file>
+
+<file path=ppt/slides/slide14.xml><?xml version="1.0" encoding="utf-8"?>
+<p:sld xmlns:a="http://schemas.openxmlformats.org/drawingml/2006/main" xmlns:r="http://schemas.openxmlformats.org/officeDocument/2006/relationships" xmlns:p="http://schemas.openxmlformats.org/presentationml/2006/main">
+  <p:cSld>
+    <p:spTree>
+      <p:nvGrpSpPr>
+        <p:cNvPr id="1" name=""/>
+        <p:cNvGrpSpPr/>
+        <p:nvPr/>
+      </p:nvGrpSpPr>
+      <p:grpSpPr>
+        <a:xfrm>
+          <a:off x="0" y="0"/>
+          <a:ext cx="0" cy="0"/>
+          <a:chOff x="0" y="0"/>
+          <a:chExt cx="0" cy="0"/>
+        </a:xfrm>
+      </p:grpSpPr>
+      <p:sp>
+        <p:nvSpPr>
+          <p:cNvPr id="28" name="TextBox 27">
+            <a:extLst>
+              <a:ext uri="{FF2B5EF4-FFF2-40B4-BE49-F238E27FC236}">
+                <a16:creationId xmlns:a16="http://schemas.microsoft.com/office/drawing/2014/main" id="{5C3E9EFC-D0F6-F147-B44C-29E97341B58D}"/>
+              </a:ext>
+            </a:extLst>
+          </p:cNvPr>
+          <p:cNvSpPr txBox="1"/>
+          <p:nvPr/>
+        </p:nvSpPr>
+        <p:spPr>
+          <a:xfrm>
+            <a:off x="2838203" y="724395"/>
+            <a:ext cx="2165978" cy="461665"/>
+          </a:xfrm>
+          <a:prstGeom prst="rect">
+            <a:avLst/>
+          </a:prstGeom>
+          <a:noFill/>
+        </p:spPr>
+        <p:txBody>
+          <a:bodyPr wrap="none" rtlCol="0">
+            <a:spAutoFit/>
+          </a:bodyPr>
+          <a:lstStyle/>
+          <a:p>
+            <a:r>
+              <a:rPr lang="en-US" sz="2400" b="1" u="sng" dirty="0"/>
+              <a:t>Collaborating</a:t>
+            </a:r>
+          </a:p>
+        </p:txBody>
+      </p:sp>
+      <p:pic>
+        <p:nvPicPr>
+          <p:cNvPr id="3" name="Picture 2" descr="Timeline&#10;&#10;Description automatically generated">
+            <a:extLst>
+              <a:ext uri="{FF2B5EF4-FFF2-40B4-BE49-F238E27FC236}">
+                <a16:creationId xmlns:a16="http://schemas.microsoft.com/office/drawing/2014/main" id="{3EE3DCCC-80E9-604A-963A-E89F46066B0C}"/>
+              </a:ext>
+            </a:extLst>
+          </p:cNvPr>
+          <p:cNvPicPr>
+            <a:picLocks noChangeAspect="1"/>
+          </p:cNvPicPr>
+          <p:nvPr/>
+        </p:nvPicPr>
+        <p:blipFill>
+          <a:blip r:embed="rId2">
+            <a:extLst>
+              <a:ext uri="{28A0092B-C50C-407E-A947-70E740481C1C}">
+                <a14:useLocalDpi xmlns:a14="http://schemas.microsoft.com/office/drawing/2010/main" val="0"/>
+              </a:ext>
+            </a:extLst>
+          </a:blip>
+          <a:stretch>
+            <a:fillRect/>
+          </a:stretch>
+        </p:blipFill>
+        <p:spPr>
+          <a:xfrm>
+            <a:off x="326642" y="1766630"/>
+            <a:ext cx="8490716" cy="3635169"/>
+          </a:xfrm>
+          <a:prstGeom prst="rect">
+            <a:avLst/>
+          </a:prstGeom>
+        </p:spPr>
+      </p:pic>
+    </p:spTree>
+    <p:extLst>
+      <p:ext uri="{BB962C8B-B14F-4D97-AF65-F5344CB8AC3E}">
+        <p14:creationId xmlns:p14="http://schemas.microsoft.com/office/powerpoint/2010/main" val="3527811780"/>
+      </p:ext>
+    </p:extLst>
+  </p:cSld>
+  <p:clrMapOvr>
+    <a:masterClrMapping/>
+  </p:clrMapOvr>
+</p:sld>
+</file>
+
+<file path=ppt/slides/slide15.xml><?xml version="1.0" encoding="utf-8"?>
+<p:sld xmlns:a="http://schemas.openxmlformats.org/drawingml/2006/main" xmlns:r="http://schemas.openxmlformats.org/officeDocument/2006/relationships" xmlns:p="http://schemas.openxmlformats.org/presentationml/2006/main">
+  <p:cSld>
+    <p:spTree>
+      <p:nvGrpSpPr>
+        <p:cNvPr id="1" name=""/>
+        <p:cNvGrpSpPr/>
+        <p:nvPr/>
+      </p:nvGrpSpPr>
+      <p:grpSpPr>
+        <a:xfrm>
+          <a:off x="0" y="0"/>
+          <a:ext cx="0" cy="0"/>
+          <a:chOff x="0" y="0"/>
+          <a:chExt cx="0" cy="0"/>
+        </a:xfrm>
+      </p:grpSpPr>
       <p:sp>
         <p:nvSpPr>
           <p:cNvPr id="2" name="Title 1"/>
@@ -3769,7 +5939,7 @@
 </p:sld>
 </file>
 
-<file path=ppt/slides/slide12.xml><?xml version="1.0" encoding="utf-8"?>
+<file path=ppt/slides/slide16.xml><?xml version="1.0" encoding="utf-8"?>
 <p:sld xmlns:a="http://schemas.openxmlformats.org/drawingml/2006/main" xmlns:r="http://schemas.openxmlformats.org/officeDocument/2006/relationships" xmlns:p="http://schemas.openxmlformats.org/presentationml/2006/main">
   <p:cSld>
     <p:spTree>
@@ -4190,13 +6360,17 @@
         <p:spPr/>
         <p:txBody>
           <a:bodyPr>
-            <a:normAutofit fontScale="92500" lnSpcReduction="20000"/>
+            <a:normAutofit fontScale="77500" lnSpcReduction="20000"/>
           </a:bodyPr>
           <a:lstStyle/>
           <a:p>
             <a:r>
+              <a:rPr lang="en-US" b="1" dirty="0"/>
+              <a:t>Keeping track of the Schedule </a:t>
+            </a:r>
+            <a:r>
               <a:rPr lang="en-US" dirty="0"/>
-              <a:t>Keeping track of the Schedule – </a:t>
+              <a:t>– </a:t>
             </a:r>
             <a:r>
               <a:rPr lang="en-US" dirty="0">
@@ -4211,8 +6385,12 @@
           </a:p>
           <a:p>
             <a:r>
+              <a:rPr lang="en-US" b="1" dirty="0"/>
+              <a:t>Sharing / Collaborating on Files </a:t>
+            </a:r>
+            <a:r>
               <a:rPr lang="en-US" dirty="0"/>
-              <a:t>Sharing / Collaborating on Files – GitHub Organization:</a:t>
+              <a:t>– GitHub Organization:</a:t>
             </a:r>
           </a:p>
           <a:p>
@@ -4229,35 +6407,62 @@
           </a:p>
           <a:p>
             <a:r>
+              <a:rPr lang="en-US" b="1" dirty="0"/>
+              <a:t>Listserv </a:t>
+            </a:r>
+            <a:r>
               <a:rPr lang="en-US" dirty="0"/>
-              <a:t>Listserv –</a:t>
-            </a:r>
+              <a:t>– </a:t>
+            </a:r>
+            <a:r>
+              <a:rPr lang="en-US" dirty="0" err="1"/>
+              <a:t>rstats@eemb.ucsb.edu</a:t>
+            </a:r>
+            <a:endParaRPr lang="en-US" dirty="0"/>
           </a:p>
           <a:p>
             <a:r>
               <a:rPr lang="en-US" dirty="0"/>
-              <a:t>Subscribe:</a:t>
-            </a:r>
-          </a:p>
-          <a:p>
-            <a:endParaRPr lang="en-US" dirty="0"/>
-          </a:p>
-          <a:p>
+              <a:t>Subscribe: (anyone know if people can auto-subscribe to Google Groups???)</a:t>
+            </a:r>
+          </a:p>
+          <a:p>
+            <a:pPr lvl="1"/>
             <a:r>
               <a:rPr lang="en-US" dirty="0"/>
-              <a:t>Zoom: </a:t>
+              <a:t>Sign up in the ‘email’ column of the schedule</a:t>
+            </a:r>
+          </a:p>
+          <a:p>
+            <a:pPr lvl="1"/>
+            <a:r>
+              <a:rPr lang="en-US" dirty="0"/>
+              <a:t>Email </a:t>
             </a:r>
             <a:r>
               <a:rPr lang="en-US" dirty="0">
                 <a:hlinkClick r:id="rId4"/>
               </a:rPr>
-              <a:t>https://ucsb.zoom.us/j/89987313659?pwd</a:t>
-            </a:r>
-            <a:r>
-              <a:rPr lang="en-US">
-                <a:hlinkClick r:id="rId4"/>
+              <a:t>landeregg@ucsb.edu</a:t>
+            </a:r>
+            <a:r>
+              <a:rPr lang="en-US" dirty="0"/>
+              <a:t> and I’ll add you</a:t>
+            </a:r>
+          </a:p>
+          <a:p>
+            <a:endParaRPr lang="en-US" dirty="0"/>
+          </a:p>
+          <a:p>
+            <a:r>
+              <a:rPr lang="en-US" b="1" dirty="0"/>
+              <a:t>Zoom: </a:t>
+            </a:r>
+            <a:r>
+              <a:rPr lang="en-US" dirty="0">
+                <a:hlinkClick r:id="rId5"/>
               </a:rPr>
-              <a:t>=TTF3V2RnYWs3Y05Hc1JDOHpKbTFHZz09</a:t>
+              <a:t>https://ucsb.zoom.us/j/89987313659?pwd=TTF3V2RnYWs3Y05Hc1JDOHpKbTFHZz09</a:t>
             </a:r>
             <a:endParaRPr lang="en-US" dirty="0"/>
           </a:p>
